--- a/Doc/20220928 Pres AD Implementation.pptx
+++ b/Doc/20220928 Pres AD Implementation.pptx
@@ -17,6 +17,8 @@
     <p:sldId id="264" r:id="rId11"/>
     <p:sldId id="266" r:id="rId12"/>
     <p:sldId id="267" r:id="rId13"/>
+    <p:sldId id="268" r:id="rId14"/>
+    <p:sldId id="269" r:id="rId15"/>
   </p:sldIdLst>
   <p:sldSz cx="12192000" cy="6858000"/>
   <p:notesSz cx="6858000" cy="9144000"/>
@@ -136,7 +138,7 @@
   <pc:docChgLst>
     <pc:chgData name="Ruben Skjelstad Dragland" userId="4a3751204a6f46fb" providerId="LiveId" clId="{B048B73F-43BD-410C-90B4-B71C642F154F}"/>
     <pc:docChg chg="undo custSel addSld modSld">
-      <pc:chgData name="Ruben Skjelstad Dragland" userId="4a3751204a6f46fb" providerId="LiveId" clId="{B048B73F-43BD-410C-90B4-B71C642F154F}" dt="2022-10-05T08:37:06.551" v="5354" actId="20577"/>
+      <pc:chgData name="Ruben Skjelstad Dragland" userId="4a3751204a6f46fb" providerId="LiveId" clId="{B048B73F-43BD-410C-90B4-B71C642F154F}" dt="2022-10-05T11:58:01.804" v="5964" actId="20577"/>
       <pc:docMkLst>
         <pc:docMk/>
       </pc:docMkLst>
@@ -374,6 +376,52 @@
             <pc:docMk/>
             <pc:sldMk cId="2505364529" sldId="267"/>
             <ac:spMk id="3" creationId="{97070F98-4DDB-E67D-FD58-CB21E2163817}"/>
+          </ac:spMkLst>
+        </pc:spChg>
+      </pc:sldChg>
+      <pc:sldChg chg="modSp new mod">
+        <pc:chgData name="Ruben Skjelstad Dragland" userId="4a3751204a6f46fb" providerId="LiveId" clId="{B048B73F-43BD-410C-90B4-B71C642F154F}" dt="2022-10-05T11:45:40.281" v="5772" actId="6549"/>
+        <pc:sldMkLst>
+          <pc:docMk/>
+          <pc:sldMk cId="3894254291" sldId="268"/>
+        </pc:sldMkLst>
+        <pc:spChg chg="mod">
+          <ac:chgData name="Ruben Skjelstad Dragland" userId="4a3751204a6f46fb" providerId="LiveId" clId="{B048B73F-43BD-410C-90B4-B71C642F154F}" dt="2022-10-05T11:43:10.310" v="5395" actId="20577"/>
+          <ac:spMkLst>
+            <pc:docMk/>
+            <pc:sldMk cId="3894254291" sldId="268"/>
+            <ac:spMk id="2" creationId="{3C93187B-5B9F-3D25-F5C6-B728643E5141}"/>
+          </ac:spMkLst>
+        </pc:spChg>
+        <pc:spChg chg="mod">
+          <ac:chgData name="Ruben Skjelstad Dragland" userId="4a3751204a6f46fb" providerId="LiveId" clId="{B048B73F-43BD-410C-90B4-B71C642F154F}" dt="2022-10-05T11:45:40.281" v="5772" actId="6549"/>
+          <ac:spMkLst>
+            <pc:docMk/>
+            <pc:sldMk cId="3894254291" sldId="268"/>
+            <ac:spMk id="3" creationId="{A806E489-2524-17EA-4B2D-ECB7CDFC433E}"/>
+          </ac:spMkLst>
+        </pc:spChg>
+      </pc:sldChg>
+      <pc:sldChg chg="modSp new mod">
+        <pc:chgData name="Ruben Skjelstad Dragland" userId="4a3751204a6f46fb" providerId="LiveId" clId="{B048B73F-43BD-410C-90B4-B71C642F154F}" dt="2022-10-05T11:58:01.804" v="5964" actId="20577"/>
+        <pc:sldMkLst>
+          <pc:docMk/>
+          <pc:sldMk cId="495307776" sldId="269"/>
+        </pc:sldMkLst>
+        <pc:spChg chg="mod">
+          <ac:chgData name="Ruben Skjelstad Dragland" userId="4a3751204a6f46fb" providerId="LiveId" clId="{B048B73F-43BD-410C-90B4-B71C642F154F}" dt="2022-10-05T11:47:24.565" v="5809" actId="20577"/>
+          <ac:spMkLst>
+            <pc:docMk/>
+            <pc:sldMk cId="495307776" sldId="269"/>
+            <ac:spMk id="2" creationId="{C757E04F-3452-0C03-F412-FA23FBA79950}"/>
+          </ac:spMkLst>
+        </pc:spChg>
+        <pc:spChg chg="mod">
+          <ac:chgData name="Ruben Skjelstad Dragland" userId="4a3751204a6f46fb" providerId="LiveId" clId="{B048B73F-43BD-410C-90B4-B71C642F154F}" dt="2022-10-05T11:58:01.804" v="5964" actId="20577"/>
+          <ac:spMkLst>
+            <pc:docMk/>
+            <pc:sldMk cId="495307776" sldId="269"/>
+            <ac:spMk id="3" creationId="{BCB36340-AF6F-547C-0664-0560ECE62273}"/>
           </ac:spMkLst>
         </pc:spChg>
       </pc:sldChg>
@@ -4789,6 +4837,662 @@
 </p:sld>
 </file>
 
+<file path=ppt/slides/slide13.xml><?xml version="1.0" encoding="utf-8"?>
+<p:sld xmlns:a="http://schemas.openxmlformats.org/drawingml/2006/main" xmlns:r="http://schemas.openxmlformats.org/officeDocument/2006/relationships" xmlns:p="http://schemas.openxmlformats.org/presentationml/2006/main">
+  <p:cSld>
+    <p:spTree>
+      <p:nvGrpSpPr>
+        <p:cNvPr id="1" name=""/>
+        <p:cNvGrpSpPr/>
+        <p:nvPr/>
+      </p:nvGrpSpPr>
+      <p:grpSpPr>
+        <a:xfrm>
+          <a:off x="0" y="0"/>
+          <a:ext cx="0" cy="0"/>
+          <a:chOff x="0" y="0"/>
+          <a:chExt cx="0" cy="0"/>
+        </a:xfrm>
+      </p:grpSpPr>
+      <p:sp>
+        <p:nvSpPr>
+          <p:cNvPr id="2" name="Tittel 1">
+            <a:extLst>
+              <a:ext uri="{FF2B5EF4-FFF2-40B4-BE49-F238E27FC236}">
+                <a16:creationId xmlns:a16="http://schemas.microsoft.com/office/drawing/2014/main" id="{3C93187B-5B9F-3D25-F5C6-B728643E5141}"/>
+              </a:ext>
+            </a:extLst>
+          </p:cNvPr>
+          <p:cNvSpPr>
+            <a:spLocks noGrp="1"/>
+          </p:cNvSpPr>
+          <p:nvPr>
+            <p:ph type="title"/>
+          </p:nvPr>
+        </p:nvSpPr>
+        <p:spPr/>
+        <p:txBody>
+          <a:bodyPr/>
+          <a:lstStyle/>
+          <a:p>
+            <a:r>
+              <a:rPr lang="de-DE" dirty="0" err="1"/>
+              <a:t>No</a:t>
+            </a:r>
+            <a:r>
+              <a:rPr lang="de-DE" dirty="0"/>
+              <a:t> </a:t>
+            </a:r>
+            <a:r>
+              <a:rPr lang="de-DE" dirty="0" err="1"/>
+              <a:t>projection</a:t>
+            </a:r>
+            <a:r>
+              <a:rPr lang="de-DE" dirty="0"/>
+              <a:t> </a:t>
+            </a:r>
+            <a:r>
+              <a:rPr lang="de-DE" dirty="0" err="1"/>
+              <a:t>from</a:t>
+            </a:r>
+            <a:r>
+              <a:rPr lang="de-DE" dirty="0"/>
+              <a:t> </a:t>
+            </a:r>
+            <a:r>
+              <a:rPr lang="de-DE" dirty="0" err="1"/>
+              <a:t>small</a:t>
+            </a:r>
+            <a:r>
+              <a:rPr lang="de-DE" dirty="0"/>
+              <a:t> sample </a:t>
+            </a:r>
+            <a:r>
+              <a:rPr lang="de-DE" dirty="0" err="1"/>
+              <a:t>voxels</a:t>
+            </a:r>
+            <a:endParaRPr lang="de-DE" dirty="0"/>
+          </a:p>
+        </p:txBody>
+      </p:sp>
+      <p:sp>
+        <p:nvSpPr>
+          <p:cNvPr id="3" name="Plassholder for innhold 2">
+            <a:extLst>
+              <a:ext uri="{FF2B5EF4-FFF2-40B4-BE49-F238E27FC236}">
+                <a16:creationId xmlns:a16="http://schemas.microsoft.com/office/drawing/2014/main" id="{A806E489-2524-17EA-4B2D-ECB7CDFC433E}"/>
+              </a:ext>
+            </a:extLst>
+          </p:cNvPr>
+          <p:cNvSpPr>
+            <a:spLocks noGrp="1"/>
+          </p:cNvSpPr>
+          <p:nvPr>
+            <p:ph idx="1"/>
+          </p:nvPr>
+        </p:nvSpPr>
+        <p:spPr/>
+        <p:txBody>
+          <a:bodyPr/>
+          <a:lstStyle/>
+          <a:p>
+            <a:r>
+              <a:rPr lang="de-DE" dirty="0" err="1"/>
+              <a:t>Occurance</a:t>
+            </a:r>
+            <a:r>
+              <a:rPr lang="de-DE" dirty="0"/>
+              <a:t> </a:t>
+            </a:r>
+            <a:r>
+              <a:rPr lang="de-DE" dirty="0" err="1"/>
+              <a:t>of</a:t>
+            </a:r>
+            <a:r>
+              <a:rPr lang="de-DE" dirty="0"/>
+              <a:t> </a:t>
+            </a:r>
+            <a:r>
+              <a:rPr lang="de-DE" dirty="0" err="1"/>
+              <a:t>no</a:t>
+            </a:r>
+            <a:r>
+              <a:rPr lang="de-DE" dirty="0"/>
+              <a:t> </a:t>
+            </a:r>
+            <a:r>
+              <a:rPr lang="de-DE" dirty="0" err="1"/>
+              <a:t>projection</a:t>
+            </a:r>
+            <a:r>
+              <a:rPr lang="de-DE" dirty="0"/>
+              <a:t> </a:t>
+            </a:r>
+            <a:r>
+              <a:rPr lang="de-DE" dirty="0" err="1"/>
+              <a:t>occured</a:t>
+            </a:r>
+            <a:r>
+              <a:rPr lang="de-DE" dirty="0"/>
+              <a:t> </a:t>
+            </a:r>
+            <a:r>
+              <a:rPr lang="de-DE" dirty="0" err="1"/>
+              <a:t>both</a:t>
+            </a:r>
+            <a:r>
+              <a:rPr lang="de-DE" dirty="0"/>
+              <a:t> </a:t>
+            </a:r>
+            <a:r>
+              <a:rPr lang="de-DE" dirty="0" err="1"/>
+              <a:t>for</a:t>
+            </a:r>
+            <a:r>
+              <a:rPr lang="de-DE" dirty="0"/>
+              <a:t> </a:t>
+            </a:r>
+            <a:r>
+              <a:rPr lang="de-DE" dirty="0" err="1"/>
+              <a:t>nearest</a:t>
+            </a:r>
+            <a:r>
+              <a:rPr lang="de-DE" dirty="0"/>
+              <a:t> and bilinear </a:t>
+            </a:r>
+            <a:r>
+              <a:rPr lang="de-DE" dirty="0" err="1"/>
+              <a:t>interpolation</a:t>
+            </a:r>
+            <a:endParaRPr lang="de-DE" dirty="0"/>
+          </a:p>
+          <a:p>
+            <a:r>
+              <a:rPr lang="de-DE" dirty="0"/>
+              <a:t>The </a:t>
+            </a:r>
+            <a:r>
+              <a:rPr lang="de-DE" dirty="0" err="1"/>
+              <a:t>computed</a:t>
+            </a:r>
+            <a:r>
+              <a:rPr lang="de-DE" dirty="0"/>
+              <a:t> </a:t>
+            </a:r>
+            <a:r>
+              <a:rPr lang="de-DE" dirty="0" err="1"/>
+              <a:t>symbolic</a:t>
+            </a:r>
+            <a:r>
+              <a:rPr lang="de-DE" dirty="0"/>
+              <a:t> </a:t>
+            </a:r>
+            <a:r>
+              <a:rPr lang="de-DE" dirty="0" err="1"/>
+              <a:t>gradient</a:t>
+            </a:r>
+            <a:r>
+              <a:rPr lang="de-DE" dirty="0"/>
+              <a:t> was </a:t>
+            </a:r>
+            <a:r>
+              <a:rPr lang="de-DE" dirty="0" err="1"/>
+              <a:t>zero</a:t>
+            </a:r>
+            <a:r>
+              <a:rPr lang="de-DE" dirty="0"/>
+              <a:t>.</a:t>
+            </a:r>
+          </a:p>
+          <a:p>
+            <a:r>
+              <a:rPr lang="de-DE" dirty="0"/>
+              <a:t>The </a:t>
+            </a:r>
+            <a:r>
+              <a:rPr lang="de-DE" dirty="0" err="1"/>
+              <a:t>expression</a:t>
+            </a:r>
+            <a:r>
+              <a:rPr lang="de-DE" dirty="0"/>
+              <a:t> in Liebe </a:t>
+            </a:r>
+            <a:r>
+              <a:rPr lang="de-DE" dirty="0" err="1"/>
+              <a:t>diverges</a:t>
+            </a:r>
+            <a:r>
+              <a:rPr lang="de-DE" dirty="0"/>
+              <a:t>.</a:t>
+            </a:r>
+          </a:p>
+          <a:p>
+            <a:r>
+              <a:rPr lang="de-DE" dirty="0" err="1"/>
+              <a:t>No</a:t>
+            </a:r>
+            <a:r>
+              <a:rPr lang="de-DE" dirty="0"/>
+              <a:t> </a:t>
+            </a:r>
+            <a:r>
+              <a:rPr lang="de-DE" dirty="0" err="1"/>
+              <a:t>occurance</a:t>
+            </a:r>
+            <a:r>
+              <a:rPr lang="de-DE" dirty="0"/>
+              <a:t> </a:t>
+            </a:r>
+            <a:r>
+              <a:rPr lang="de-DE" dirty="0" err="1"/>
+              <a:t>of</a:t>
+            </a:r>
+            <a:r>
+              <a:rPr lang="de-DE" dirty="0"/>
+              <a:t> </a:t>
+            </a:r>
+            <a:r>
+              <a:rPr lang="de-DE" dirty="0" err="1"/>
+              <a:t>this</a:t>
+            </a:r>
+            <a:r>
+              <a:rPr lang="de-DE" dirty="0"/>
+              <a:t> </a:t>
+            </a:r>
+            <a:r>
+              <a:rPr lang="de-DE" dirty="0" err="1"/>
+              <a:t>for</a:t>
+            </a:r>
+            <a:r>
+              <a:rPr lang="de-DE" dirty="0"/>
+              <a:t> </a:t>
+            </a:r>
+            <a:r>
+              <a:rPr lang="de-DE" dirty="0" err="1"/>
+              <a:t>any</a:t>
+            </a:r>
+            <a:r>
+              <a:rPr lang="de-DE" dirty="0"/>
+              <a:t> </a:t>
+            </a:r>
+            <a:r>
+              <a:rPr lang="de-DE" dirty="0" err="1"/>
+              <a:t>orientation</a:t>
+            </a:r>
+            <a:r>
+              <a:rPr lang="de-DE" dirty="0"/>
+              <a:t> </a:t>
+            </a:r>
+            <a:r>
+              <a:rPr lang="de-DE" dirty="0" err="1"/>
+              <a:t>for</a:t>
+            </a:r>
+            <a:r>
+              <a:rPr lang="de-DE" dirty="0"/>
+              <a:t> </a:t>
+            </a:r>
+            <a:r>
+              <a:rPr lang="de-DE" dirty="0" err="1"/>
+              <a:t>big</a:t>
+            </a:r>
+            <a:r>
+              <a:rPr lang="de-DE" dirty="0"/>
+              <a:t> sample</a:t>
+            </a:r>
+          </a:p>
+          <a:p>
+            <a:r>
+              <a:rPr lang="de-DE" dirty="0" err="1"/>
+              <a:t>Physical</a:t>
+            </a:r>
+            <a:r>
+              <a:rPr lang="de-DE" dirty="0"/>
+              <a:t> </a:t>
+            </a:r>
+            <a:r>
+              <a:rPr lang="de-DE" dirty="0" err="1"/>
+              <a:t>explanation</a:t>
+            </a:r>
+            <a:r>
+              <a:rPr lang="de-DE" dirty="0"/>
+              <a:t>: </a:t>
+            </a:r>
+          </a:p>
+          <a:p>
+            <a:r>
+              <a:rPr lang="de-DE" dirty="0"/>
+              <a:t>Also: I </a:t>
+            </a:r>
+            <a:r>
+              <a:rPr lang="de-DE" dirty="0" err="1"/>
+              <a:t>believe</a:t>
+            </a:r>
+            <a:r>
+              <a:rPr lang="de-DE" dirty="0"/>
+              <a:t> </a:t>
+            </a:r>
+            <a:r>
+              <a:rPr lang="de-DE" dirty="0" err="1"/>
+              <a:t>that</a:t>
+            </a:r>
+            <a:r>
+              <a:rPr lang="de-DE" dirty="0"/>
+              <a:t> </a:t>
+            </a:r>
+            <a:r>
+              <a:rPr lang="de-DE" dirty="0" err="1"/>
+              <a:t>the</a:t>
+            </a:r>
+            <a:r>
+              <a:rPr lang="de-DE" dirty="0"/>
+              <a:t> </a:t>
+            </a:r>
+            <a:r>
+              <a:rPr lang="de-DE" dirty="0" err="1"/>
+              <a:t>algorithm</a:t>
+            </a:r>
+            <a:r>
+              <a:rPr lang="de-DE" dirty="0"/>
+              <a:t> </a:t>
+            </a:r>
+            <a:r>
+              <a:rPr lang="de-DE" dirty="0" err="1"/>
+              <a:t>would</a:t>
+            </a:r>
+            <a:r>
+              <a:rPr lang="de-DE" dirty="0"/>
+              <a:t> </a:t>
+            </a:r>
+            <a:r>
+              <a:rPr lang="de-DE" dirty="0" err="1"/>
+              <a:t>be</a:t>
+            </a:r>
+            <a:r>
+              <a:rPr lang="de-DE" dirty="0"/>
+              <a:t> </a:t>
+            </a:r>
+            <a:r>
+              <a:rPr lang="de-DE" dirty="0" err="1"/>
+              <a:t>many</a:t>
+            </a:r>
+            <a:r>
+              <a:rPr lang="de-DE" dirty="0"/>
+              <a:t> </a:t>
+            </a:r>
+            <a:r>
+              <a:rPr lang="de-DE" dirty="0" err="1"/>
+              <a:t>times</a:t>
+            </a:r>
+            <a:r>
+              <a:rPr lang="de-DE" dirty="0"/>
+              <a:t> </a:t>
+            </a:r>
+            <a:r>
+              <a:rPr lang="de-DE" dirty="0" err="1"/>
+              <a:t>faster</a:t>
+            </a:r>
+            <a:r>
+              <a:rPr lang="de-DE" dirty="0"/>
+              <a:t> </a:t>
+            </a:r>
+            <a:r>
+              <a:rPr lang="de-DE" dirty="0" err="1"/>
+              <a:t>if</a:t>
+            </a:r>
+            <a:r>
+              <a:rPr lang="de-DE" dirty="0"/>
+              <a:t> </a:t>
+            </a:r>
+            <a:r>
+              <a:rPr lang="de-DE" dirty="0" err="1"/>
+              <a:t>it</a:t>
+            </a:r>
+            <a:r>
+              <a:rPr lang="de-DE" dirty="0"/>
+              <a:t> </a:t>
+            </a:r>
+            <a:r>
+              <a:rPr lang="de-DE" dirty="0" err="1"/>
+              <a:t>were</a:t>
+            </a:r>
+            <a:r>
+              <a:rPr lang="de-DE" dirty="0"/>
+              <a:t> </a:t>
+            </a:r>
+            <a:r>
+              <a:rPr lang="de-DE" dirty="0" err="1"/>
+              <a:t>sparse</a:t>
+            </a:r>
+            <a:r>
+              <a:rPr lang="de-DE" dirty="0"/>
+              <a:t>.</a:t>
+            </a:r>
+          </a:p>
+        </p:txBody>
+      </p:sp>
+    </p:spTree>
+    <p:extLst>
+      <p:ext uri="{BB962C8B-B14F-4D97-AF65-F5344CB8AC3E}">
+        <p14:creationId xmlns:p14="http://schemas.microsoft.com/office/powerpoint/2010/main" val="3894254291"/>
+      </p:ext>
+    </p:extLst>
+  </p:cSld>
+  <p:clrMapOvr>
+    <a:masterClrMapping/>
+  </p:clrMapOvr>
+</p:sld>
+</file>
+
+<file path=ppt/slides/slide14.xml><?xml version="1.0" encoding="utf-8"?>
+<p:sld xmlns:a="http://schemas.openxmlformats.org/drawingml/2006/main" xmlns:r="http://schemas.openxmlformats.org/officeDocument/2006/relationships" xmlns:p="http://schemas.openxmlformats.org/presentationml/2006/main">
+  <p:cSld>
+    <p:spTree>
+      <p:nvGrpSpPr>
+        <p:cNvPr id="1" name=""/>
+        <p:cNvGrpSpPr/>
+        <p:nvPr/>
+      </p:nvGrpSpPr>
+      <p:grpSpPr>
+        <a:xfrm>
+          <a:off x="0" y="0"/>
+          <a:ext cx="0" cy="0"/>
+          <a:chOff x="0" y="0"/>
+          <a:chExt cx="0" cy="0"/>
+        </a:xfrm>
+      </p:grpSpPr>
+      <p:sp>
+        <p:nvSpPr>
+          <p:cNvPr id="2" name="Tittel 1">
+            <a:extLst>
+              <a:ext uri="{FF2B5EF4-FFF2-40B4-BE49-F238E27FC236}">
+                <a16:creationId xmlns:a16="http://schemas.microsoft.com/office/drawing/2014/main" id="{C757E04F-3452-0C03-F412-FA23FBA79950}"/>
+              </a:ext>
+            </a:extLst>
+          </p:cNvPr>
+          <p:cNvSpPr>
+            <a:spLocks noGrp="1"/>
+          </p:cNvSpPr>
+          <p:nvPr>
+            <p:ph type="title"/>
+          </p:nvPr>
+        </p:nvSpPr>
+        <p:spPr/>
+        <p:txBody>
+          <a:bodyPr/>
+          <a:lstStyle/>
+          <a:p>
+            <a:r>
+              <a:rPr lang="de-DE" dirty="0"/>
+              <a:t>Implementation </a:t>
+            </a:r>
+            <a:r>
+              <a:rPr lang="de-DE" dirty="0" err="1"/>
+              <a:t>of</a:t>
+            </a:r>
+            <a:r>
+              <a:rPr lang="de-DE" dirty="0"/>
+              <a:t> AD Orientation</a:t>
+            </a:r>
+          </a:p>
+        </p:txBody>
+      </p:sp>
+      <p:sp>
+        <p:nvSpPr>
+          <p:cNvPr id="3" name="Plassholder for innhold 2">
+            <a:extLst>
+              <a:ext uri="{FF2B5EF4-FFF2-40B4-BE49-F238E27FC236}">
+                <a16:creationId xmlns:a16="http://schemas.microsoft.com/office/drawing/2014/main" id="{BCB36340-AF6F-547C-0664-0560ECE62273}"/>
+              </a:ext>
+            </a:extLst>
+          </p:cNvPr>
+          <p:cNvSpPr>
+            <a:spLocks noGrp="1"/>
+          </p:cNvSpPr>
+          <p:nvPr>
+            <p:ph idx="1"/>
+          </p:nvPr>
+        </p:nvSpPr>
+        <p:spPr/>
+        <p:txBody>
+          <a:bodyPr/>
+          <a:lstStyle/>
+          <a:p>
+            <a:r>
+              <a:rPr lang="de-DE" dirty="0" err="1"/>
+              <a:t>Likely</a:t>
+            </a:r>
+            <a:r>
+              <a:rPr lang="de-DE" dirty="0"/>
+              <a:t> </a:t>
+            </a:r>
+            <a:r>
+              <a:rPr lang="de-DE" dirty="0" err="1"/>
+              <a:t>that</a:t>
+            </a:r>
+            <a:r>
+              <a:rPr lang="de-DE" dirty="0"/>
+              <a:t> </a:t>
+            </a:r>
+            <a:r>
+              <a:rPr lang="de-DE" dirty="0" err="1"/>
+              <a:t>much</a:t>
+            </a:r>
+            <a:r>
+              <a:rPr lang="de-DE" dirty="0"/>
+              <a:t> </a:t>
+            </a:r>
+            <a:r>
+              <a:rPr lang="de-DE" dirty="0" err="1"/>
+              <a:t>has</a:t>
+            </a:r>
+            <a:r>
+              <a:rPr lang="de-DE" dirty="0"/>
+              <a:t> </a:t>
+            </a:r>
+            <a:r>
+              <a:rPr lang="de-DE" dirty="0" err="1"/>
+              <a:t>to</a:t>
+            </a:r>
+            <a:r>
+              <a:rPr lang="de-DE" dirty="0"/>
+              <a:t> </a:t>
+            </a:r>
+            <a:r>
+              <a:rPr lang="de-DE" dirty="0" err="1"/>
+              <a:t>be</a:t>
+            </a:r>
+            <a:r>
+              <a:rPr lang="de-DE" dirty="0"/>
+              <a:t> </a:t>
+            </a:r>
+            <a:r>
+              <a:rPr lang="de-DE" dirty="0" err="1"/>
+              <a:t>rewritten</a:t>
+            </a:r>
+            <a:r>
+              <a:rPr lang="de-DE" dirty="0"/>
+              <a:t>. Task </a:t>
+            </a:r>
+            <a:r>
+              <a:rPr lang="de-DE" dirty="0" err="1"/>
+              <a:t>is</a:t>
+            </a:r>
+            <a:r>
+              <a:rPr lang="de-DE" dirty="0"/>
+              <a:t> </a:t>
+            </a:r>
+            <a:r>
+              <a:rPr lang="de-DE" dirty="0" err="1"/>
+              <a:t>to</a:t>
+            </a:r>
+            <a:r>
+              <a:rPr lang="de-DE" dirty="0"/>
+              <a:t> find </a:t>
+            </a:r>
+            <a:r>
+              <a:rPr lang="de-DE" dirty="0" err="1"/>
+              <a:t>how</a:t>
+            </a:r>
+            <a:r>
+              <a:rPr lang="de-DE" dirty="0"/>
+              <a:t> </a:t>
+            </a:r>
+            <a:r>
+              <a:rPr lang="de-DE" dirty="0" err="1"/>
+              <a:t>error</a:t>
+            </a:r>
+            <a:r>
+              <a:rPr lang="de-DE" dirty="0"/>
+              <a:t> </a:t>
+            </a:r>
+            <a:r>
+              <a:rPr lang="de-DE" dirty="0" err="1"/>
+              <a:t>expression</a:t>
+            </a:r>
+            <a:r>
+              <a:rPr lang="de-DE" dirty="0"/>
+              <a:t> </a:t>
+            </a:r>
+            <a:r>
+              <a:rPr lang="de-DE" dirty="0" err="1"/>
+              <a:t>depends</a:t>
+            </a:r>
+            <a:r>
+              <a:rPr lang="de-DE" dirty="0"/>
+              <a:t> on </a:t>
+            </a:r>
+            <a:r>
+              <a:rPr lang="de-DE" dirty="0" err="1"/>
+              <a:t>theta_op</a:t>
+            </a:r>
+            <a:r>
+              <a:rPr lang="de-DE" dirty="0"/>
+              <a:t> and </a:t>
+            </a:r>
+            <a:r>
+              <a:rPr lang="de-DE" dirty="0" err="1"/>
+              <a:t>phi_op</a:t>
+            </a:r>
+            <a:r>
+              <a:rPr lang="de-DE"/>
+              <a:t>.</a:t>
+            </a:r>
+          </a:p>
+        </p:txBody>
+      </p:sp>
+    </p:spTree>
+    <p:extLst>
+      <p:ext uri="{BB962C8B-B14F-4D97-AF65-F5344CB8AC3E}">
+        <p14:creationId xmlns:p14="http://schemas.microsoft.com/office/powerpoint/2010/main" val="495307776"/>
+      </p:ext>
+    </p:extLst>
+  </p:cSld>
+  <p:clrMapOvr>
+    <a:masterClrMapping/>
+  </p:clrMapOvr>
+</p:sld>
+</file>
+
 <file path=ppt/slides/slide2.xml><?xml version="1.0" encoding="utf-8"?>
 <p:sld xmlns:a="http://schemas.openxmlformats.org/drawingml/2006/main" xmlns:r="http://schemas.openxmlformats.org/officeDocument/2006/relationships" xmlns:p="http://schemas.openxmlformats.org/presentationml/2006/main">
   <p:cSld>

--- a/Doc/20220928 Pres AD Implementation.pptx
+++ b/Doc/20220928 Pres AD Implementation.pptx
@@ -19,6 +19,16 @@
     <p:sldId id="267" r:id="rId13"/>
     <p:sldId id="268" r:id="rId14"/>
     <p:sldId id="269" r:id="rId15"/>
+    <p:sldId id="270" r:id="rId16"/>
+    <p:sldId id="271" r:id="rId17"/>
+    <p:sldId id="272" r:id="rId18"/>
+    <p:sldId id="273" r:id="rId19"/>
+    <p:sldId id="274" r:id="rId20"/>
+    <p:sldId id="275" r:id="rId21"/>
+    <p:sldId id="276" r:id="rId22"/>
+    <p:sldId id="277" r:id="rId23"/>
+    <p:sldId id="278" r:id="rId24"/>
+    <p:sldId id="279" r:id="rId25"/>
   </p:sldIdLst>
   <p:sldSz cx="12192000" cy="6858000"/>
   <p:notesSz cx="6858000" cy="9144000"/>
@@ -138,7 +148,7 @@
   <pc:docChgLst>
     <pc:chgData name="Ruben Skjelstad Dragland" userId="4a3751204a6f46fb" providerId="LiveId" clId="{B048B73F-43BD-410C-90B4-B71C642F154F}"/>
     <pc:docChg chg="undo custSel addSld modSld">
-      <pc:chgData name="Ruben Skjelstad Dragland" userId="4a3751204a6f46fb" providerId="LiveId" clId="{B048B73F-43BD-410C-90B4-B71C642F154F}" dt="2022-10-05T11:58:01.804" v="5964" actId="20577"/>
+      <pc:chgData name="Ruben Skjelstad Dragland" userId="4a3751204a6f46fb" providerId="LiveId" clId="{B048B73F-43BD-410C-90B4-B71C642F154F}" dt="2022-10-26T12:13:55.623" v="9694" actId="20577"/>
       <pc:docMkLst>
         <pc:docMk/>
       </pc:docMkLst>
@@ -425,6 +435,236 @@
           </ac:spMkLst>
         </pc:spChg>
       </pc:sldChg>
+      <pc:sldChg chg="modSp new mod">
+        <pc:chgData name="Ruben Skjelstad Dragland" userId="4a3751204a6f46fb" providerId="LiveId" clId="{B048B73F-43BD-410C-90B4-B71C642F154F}" dt="2022-10-20T07:32:53.320" v="7487" actId="20577"/>
+        <pc:sldMkLst>
+          <pc:docMk/>
+          <pc:sldMk cId="2914422848" sldId="270"/>
+        </pc:sldMkLst>
+        <pc:spChg chg="mod">
+          <ac:chgData name="Ruben Skjelstad Dragland" userId="4a3751204a6f46fb" providerId="LiveId" clId="{B048B73F-43BD-410C-90B4-B71C642F154F}" dt="2022-10-17T20:38:06.487" v="5983" actId="20577"/>
+          <ac:spMkLst>
+            <pc:docMk/>
+            <pc:sldMk cId="2914422848" sldId="270"/>
+            <ac:spMk id="2" creationId="{DBA33031-CD04-400E-9361-C1683E0527EC}"/>
+          </ac:spMkLst>
+        </pc:spChg>
+        <pc:spChg chg="mod">
+          <ac:chgData name="Ruben Skjelstad Dragland" userId="4a3751204a6f46fb" providerId="LiveId" clId="{B048B73F-43BD-410C-90B4-B71C642F154F}" dt="2022-10-20T07:32:53.320" v="7487" actId="20577"/>
+          <ac:spMkLst>
+            <pc:docMk/>
+            <pc:sldMk cId="2914422848" sldId="270"/>
+            <ac:spMk id="3" creationId="{A2D7C221-57FB-C35E-29C8-191614AAD7D6}"/>
+          </ac:spMkLst>
+        </pc:spChg>
+      </pc:sldChg>
+      <pc:sldChg chg="modSp new mod">
+        <pc:chgData name="Ruben Skjelstad Dragland" userId="4a3751204a6f46fb" providerId="LiveId" clId="{B048B73F-43BD-410C-90B4-B71C642F154F}" dt="2022-10-17T20:51:43.318" v="6984" actId="20577"/>
+        <pc:sldMkLst>
+          <pc:docMk/>
+          <pc:sldMk cId="2813284830" sldId="271"/>
+        </pc:sldMkLst>
+        <pc:spChg chg="mod">
+          <ac:chgData name="Ruben Skjelstad Dragland" userId="4a3751204a6f46fb" providerId="LiveId" clId="{B048B73F-43BD-410C-90B4-B71C642F154F}" dt="2022-10-17T20:45:16.166" v="6548" actId="20577"/>
+          <ac:spMkLst>
+            <pc:docMk/>
+            <pc:sldMk cId="2813284830" sldId="271"/>
+            <ac:spMk id="2" creationId="{4D1B74AA-5095-488E-F8ED-29053A726DEC}"/>
+          </ac:spMkLst>
+        </pc:spChg>
+        <pc:spChg chg="mod">
+          <ac:chgData name="Ruben Skjelstad Dragland" userId="4a3751204a6f46fb" providerId="LiveId" clId="{B048B73F-43BD-410C-90B4-B71C642F154F}" dt="2022-10-17T20:51:43.318" v="6984" actId="20577"/>
+          <ac:spMkLst>
+            <pc:docMk/>
+            <pc:sldMk cId="2813284830" sldId="271"/>
+            <ac:spMk id="3" creationId="{05B09F4D-2194-C828-0B00-0133D0E3C90E}"/>
+          </ac:spMkLst>
+        </pc:spChg>
+      </pc:sldChg>
+      <pc:sldChg chg="modSp new mod">
+        <pc:chgData name="Ruben Skjelstad Dragland" userId="4a3751204a6f46fb" providerId="LiveId" clId="{B048B73F-43BD-410C-90B4-B71C642F154F}" dt="2022-10-19T07:45:01.211" v="7482" actId="20577"/>
+        <pc:sldMkLst>
+          <pc:docMk/>
+          <pc:sldMk cId="1156582431" sldId="272"/>
+        </pc:sldMkLst>
+        <pc:spChg chg="mod">
+          <ac:chgData name="Ruben Skjelstad Dragland" userId="4a3751204a6f46fb" providerId="LiveId" clId="{B048B73F-43BD-410C-90B4-B71C642F154F}" dt="2022-10-17T20:52:18.955" v="7012" actId="20577"/>
+          <ac:spMkLst>
+            <pc:docMk/>
+            <pc:sldMk cId="1156582431" sldId="272"/>
+            <ac:spMk id="2" creationId="{FA17A959-1FB2-9880-A368-FCECF0B4ECF8}"/>
+          </ac:spMkLst>
+        </pc:spChg>
+        <pc:spChg chg="mod">
+          <ac:chgData name="Ruben Skjelstad Dragland" userId="4a3751204a6f46fb" providerId="LiveId" clId="{B048B73F-43BD-410C-90B4-B71C642F154F}" dt="2022-10-19T07:45:01.211" v="7482" actId="20577"/>
+          <ac:spMkLst>
+            <pc:docMk/>
+            <pc:sldMk cId="1156582431" sldId="272"/>
+            <ac:spMk id="3" creationId="{32B7C12B-693B-3C03-3B83-ADF5398B6E78}"/>
+          </ac:spMkLst>
+        </pc:spChg>
+      </pc:sldChg>
+      <pc:sldChg chg="modSp new mod">
+        <pc:chgData name="Ruben Skjelstad Dragland" userId="4a3751204a6f46fb" providerId="LiveId" clId="{B048B73F-43BD-410C-90B4-B71C642F154F}" dt="2022-10-20T11:50:28.955" v="7519" actId="20577"/>
+        <pc:sldMkLst>
+          <pc:docMk/>
+          <pc:sldMk cId="3081874579" sldId="273"/>
+        </pc:sldMkLst>
+        <pc:spChg chg="mod">
+          <ac:chgData name="Ruben Skjelstad Dragland" userId="4a3751204a6f46fb" providerId="LiveId" clId="{B048B73F-43BD-410C-90B4-B71C642F154F}" dt="2022-10-20T11:50:15.160" v="7492" actId="20577"/>
+          <ac:spMkLst>
+            <pc:docMk/>
+            <pc:sldMk cId="3081874579" sldId="273"/>
+            <ac:spMk id="2" creationId="{3AC2FBC1-01C4-CB12-5E0F-5632252C18F0}"/>
+          </ac:spMkLst>
+        </pc:spChg>
+        <pc:spChg chg="mod">
+          <ac:chgData name="Ruben Skjelstad Dragland" userId="4a3751204a6f46fb" providerId="LiveId" clId="{B048B73F-43BD-410C-90B4-B71C642F154F}" dt="2022-10-20T11:50:28.955" v="7519" actId="20577"/>
+          <ac:spMkLst>
+            <pc:docMk/>
+            <pc:sldMk cId="3081874579" sldId="273"/>
+            <ac:spMk id="3" creationId="{11875CDF-D98F-F7D0-1FE4-ADF7B73F4ECA}"/>
+          </ac:spMkLst>
+        </pc:spChg>
+      </pc:sldChg>
+      <pc:sldChg chg="modSp new mod">
+        <pc:chgData name="Ruben Skjelstad Dragland" userId="4a3751204a6f46fb" providerId="LiveId" clId="{B048B73F-43BD-410C-90B4-B71C642F154F}" dt="2022-10-25T13:33:48.792" v="8224" actId="20577"/>
+        <pc:sldMkLst>
+          <pc:docMk/>
+          <pc:sldMk cId="1209909979" sldId="274"/>
+        </pc:sldMkLst>
+        <pc:spChg chg="mod">
+          <ac:chgData name="Ruben Skjelstad Dragland" userId="4a3751204a6f46fb" providerId="LiveId" clId="{B048B73F-43BD-410C-90B4-B71C642F154F}" dt="2022-10-25T13:22:48.676" v="7538" actId="20577"/>
+          <ac:spMkLst>
+            <pc:docMk/>
+            <pc:sldMk cId="1209909979" sldId="274"/>
+            <ac:spMk id="2" creationId="{0A392994-CC7F-71F3-7791-E4A05E872682}"/>
+          </ac:spMkLst>
+        </pc:spChg>
+        <pc:spChg chg="mod">
+          <ac:chgData name="Ruben Skjelstad Dragland" userId="4a3751204a6f46fb" providerId="LiveId" clId="{B048B73F-43BD-410C-90B4-B71C642F154F}" dt="2022-10-25T13:33:48.792" v="8224" actId="20577"/>
+          <ac:spMkLst>
+            <pc:docMk/>
+            <pc:sldMk cId="1209909979" sldId="274"/>
+            <ac:spMk id="3" creationId="{9AB97CA6-EE52-87A8-D6DD-C8202C38ABB9}"/>
+          </ac:spMkLst>
+        </pc:spChg>
+      </pc:sldChg>
+      <pc:sldChg chg="modSp new mod">
+        <pc:chgData name="Ruben Skjelstad Dragland" userId="4a3751204a6f46fb" providerId="LiveId" clId="{B048B73F-43BD-410C-90B4-B71C642F154F}" dt="2022-10-25T13:39:25.662" v="8831" actId="14"/>
+        <pc:sldMkLst>
+          <pc:docMk/>
+          <pc:sldMk cId="2047289902" sldId="275"/>
+        </pc:sldMkLst>
+        <pc:spChg chg="mod">
+          <ac:chgData name="Ruben Skjelstad Dragland" userId="4a3751204a6f46fb" providerId="LiveId" clId="{B048B73F-43BD-410C-90B4-B71C642F154F}" dt="2022-10-25T13:35:55.742" v="8243" actId="20577"/>
+          <ac:spMkLst>
+            <pc:docMk/>
+            <pc:sldMk cId="2047289902" sldId="275"/>
+            <ac:spMk id="2" creationId="{5CDDAFC0-3959-FA2A-D0DE-3E122AE1C323}"/>
+          </ac:spMkLst>
+        </pc:spChg>
+        <pc:spChg chg="mod">
+          <ac:chgData name="Ruben Skjelstad Dragland" userId="4a3751204a6f46fb" providerId="LiveId" clId="{B048B73F-43BD-410C-90B4-B71C642F154F}" dt="2022-10-25T13:39:25.662" v="8831" actId="14"/>
+          <ac:spMkLst>
+            <pc:docMk/>
+            <pc:sldMk cId="2047289902" sldId="275"/>
+            <ac:spMk id="3" creationId="{D41353B7-8A30-0BCF-E635-E22EF298B52E}"/>
+          </ac:spMkLst>
+        </pc:spChg>
+      </pc:sldChg>
+      <pc:sldChg chg="modSp new mod">
+        <pc:chgData name="Ruben Skjelstad Dragland" userId="4a3751204a6f46fb" providerId="LiveId" clId="{B048B73F-43BD-410C-90B4-B71C642F154F}" dt="2022-10-26T07:16:40.725" v="8936" actId="20577"/>
+        <pc:sldMkLst>
+          <pc:docMk/>
+          <pc:sldMk cId="3935418055" sldId="276"/>
+        </pc:sldMkLst>
+        <pc:spChg chg="mod">
+          <ac:chgData name="Ruben Skjelstad Dragland" userId="4a3751204a6f46fb" providerId="LiveId" clId="{B048B73F-43BD-410C-90B4-B71C642F154F}" dt="2022-10-25T14:04:59.723" v="8849" actId="20577"/>
+          <ac:spMkLst>
+            <pc:docMk/>
+            <pc:sldMk cId="3935418055" sldId="276"/>
+            <ac:spMk id="2" creationId="{AA5746FE-F4BB-DFA2-4493-B2CBA09655C6}"/>
+          </ac:spMkLst>
+        </pc:spChg>
+        <pc:spChg chg="mod">
+          <ac:chgData name="Ruben Skjelstad Dragland" userId="4a3751204a6f46fb" providerId="LiveId" clId="{B048B73F-43BD-410C-90B4-B71C642F154F}" dt="2022-10-26T07:16:40.725" v="8936" actId="20577"/>
+          <ac:spMkLst>
+            <pc:docMk/>
+            <pc:sldMk cId="3935418055" sldId="276"/>
+            <ac:spMk id="3" creationId="{837B58FA-214F-FD42-2B0D-B8FBC9F356A3}"/>
+          </ac:spMkLst>
+        </pc:spChg>
+      </pc:sldChg>
+      <pc:sldChg chg="modSp new mod">
+        <pc:chgData name="Ruben Skjelstad Dragland" userId="4a3751204a6f46fb" providerId="LiveId" clId="{B048B73F-43BD-410C-90B4-B71C642F154F}" dt="2022-10-26T08:20:10.547" v="9105" actId="20577"/>
+        <pc:sldMkLst>
+          <pc:docMk/>
+          <pc:sldMk cId="94502173" sldId="277"/>
+        </pc:sldMkLst>
+        <pc:spChg chg="mod">
+          <ac:chgData name="Ruben Skjelstad Dragland" userId="4a3751204a6f46fb" providerId="LiveId" clId="{B048B73F-43BD-410C-90B4-B71C642F154F}" dt="2022-10-26T08:09:42.106" v="8940" actId="20577"/>
+          <ac:spMkLst>
+            <pc:docMk/>
+            <pc:sldMk cId="94502173" sldId="277"/>
+            <ac:spMk id="2" creationId="{4794F613-8C2A-429C-5A16-BEB49477505D}"/>
+          </ac:spMkLst>
+        </pc:spChg>
+        <pc:spChg chg="mod">
+          <ac:chgData name="Ruben Skjelstad Dragland" userId="4a3751204a6f46fb" providerId="LiveId" clId="{B048B73F-43BD-410C-90B4-B71C642F154F}" dt="2022-10-26T08:20:10.547" v="9105" actId="20577"/>
+          <ac:spMkLst>
+            <pc:docMk/>
+            <pc:sldMk cId="94502173" sldId="277"/>
+            <ac:spMk id="3" creationId="{23564023-6A41-302C-8CB9-22DC8CEE8B6B}"/>
+          </ac:spMkLst>
+        </pc:spChg>
+      </pc:sldChg>
+      <pc:sldChg chg="modSp new mod">
+        <pc:chgData name="Ruben Skjelstad Dragland" userId="4a3751204a6f46fb" providerId="LiveId" clId="{B048B73F-43BD-410C-90B4-B71C642F154F}" dt="2022-10-26T11:13:01.692" v="9491" actId="20577"/>
+        <pc:sldMkLst>
+          <pc:docMk/>
+          <pc:sldMk cId="2521754397" sldId="278"/>
+        </pc:sldMkLst>
+        <pc:spChg chg="mod">
+          <ac:chgData name="Ruben Skjelstad Dragland" userId="4a3751204a6f46fb" providerId="LiveId" clId="{B048B73F-43BD-410C-90B4-B71C642F154F}" dt="2022-10-26T08:51:47.073" v="9119" actId="20577"/>
+          <ac:spMkLst>
+            <pc:docMk/>
+            <pc:sldMk cId="2521754397" sldId="278"/>
+            <ac:spMk id="2" creationId="{A8965BC0-58B7-0BFB-BA0B-122196975E52}"/>
+          </ac:spMkLst>
+        </pc:spChg>
+        <pc:spChg chg="mod">
+          <ac:chgData name="Ruben Skjelstad Dragland" userId="4a3751204a6f46fb" providerId="LiveId" clId="{B048B73F-43BD-410C-90B4-B71C642F154F}" dt="2022-10-26T11:13:01.692" v="9491" actId="20577"/>
+          <ac:spMkLst>
+            <pc:docMk/>
+            <pc:sldMk cId="2521754397" sldId="278"/>
+            <ac:spMk id="3" creationId="{729D094C-32B6-6778-1C1E-43CF86ED4A36}"/>
+          </ac:spMkLst>
+        </pc:spChg>
+      </pc:sldChg>
+      <pc:sldChg chg="modSp new mod">
+        <pc:chgData name="Ruben Skjelstad Dragland" userId="4a3751204a6f46fb" providerId="LiveId" clId="{B048B73F-43BD-410C-90B4-B71C642F154F}" dt="2022-10-26T12:13:55.623" v="9694" actId="20577"/>
+        <pc:sldMkLst>
+          <pc:docMk/>
+          <pc:sldMk cId="4059520000" sldId="279"/>
+        </pc:sldMkLst>
+        <pc:spChg chg="mod">
+          <ac:chgData name="Ruben Skjelstad Dragland" userId="4a3751204a6f46fb" providerId="LiveId" clId="{B048B73F-43BD-410C-90B4-B71C642F154F}" dt="2022-10-26T12:10:03.188" v="9497" actId="20577"/>
+          <ac:spMkLst>
+            <pc:docMk/>
+            <pc:sldMk cId="4059520000" sldId="279"/>
+            <ac:spMk id="2" creationId="{D65169F4-761C-5413-BC6A-C313B4B5F43B}"/>
+          </ac:spMkLst>
+        </pc:spChg>
+        <pc:spChg chg="mod">
+          <ac:chgData name="Ruben Skjelstad Dragland" userId="4a3751204a6f46fb" providerId="LiveId" clId="{B048B73F-43BD-410C-90B4-B71C642F154F}" dt="2022-10-26T12:13:55.623" v="9694" actId="20577"/>
+          <ac:spMkLst>
+            <pc:docMk/>
+            <pc:sldMk cId="4059520000" sldId="279"/>
+            <ac:spMk id="3" creationId="{AAA45A26-22F1-7E41-9046-49185AD83D7E}"/>
+          </ac:spMkLst>
+        </pc:spChg>
+      </pc:sldChg>
     </pc:docChg>
   </pc:docChgLst>
 </pc:chgInfo>
@@ -579,7 +819,7 @@
           <a:p>
             <a:fld id="{92F39F2A-D9E3-46DC-A265-B4B23A124910}" type="datetimeFigureOut">
               <a:rPr lang="de-DE" smtClean="0"/>
-              <a:t>05.10.2022</a:t>
+              <a:t>25.10.2022</a:t>
             </a:fld>
             <a:endParaRPr lang="de-DE"/>
           </a:p>
@@ -779,7 +1019,7 @@
           <a:p>
             <a:fld id="{92F39F2A-D9E3-46DC-A265-B4B23A124910}" type="datetimeFigureOut">
               <a:rPr lang="de-DE" smtClean="0"/>
-              <a:t>05.10.2022</a:t>
+              <a:t>25.10.2022</a:t>
             </a:fld>
             <a:endParaRPr lang="de-DE"/>
           </a:p>
@@ -989,7 +1229,7 @@
           <a:p>
             <a:fld id="{92F39F2A-D9E3-46DC-A265-B4B23A124910}" type="datetimeFigureOut">
               <a:rPr lang="de-DE" smtClean="0"/>
-              <a:t>05.10.2022</a:t>
+              <a:t>25.10.2022</a:t>
             </a:fld>
             <a:endParaRPr lang="de-DE"/>
           </a:p>
@@ -1189,7 +1429,7 @@
           <a:p>
             <a:fld id="{92F39F2A-D9E3-46DC-A265-B4B23A124910}" type="datetimeFigureOut">
               <a:rPr lang="de-DE" smtClean="0"/>
-              <a:t>05.10.2022</a:t>
+              <a:t>25.10.2022</a:t>
             </a:fld>
             <a:endParaRPr lang="de-DE"/>
           </a:p>
@@ -1465,7 +1705,7 @@
           <a:p>
             <a:fld id="{92F39F2A-D9E3-46DC-A265-B4B23A124910}" type="datetimeFigureOut">
               <a:rPr lang="de-DE" smtClean="0"/>
-              <a:t>05.10.2022</a:t>
+              <a:t>25.10.2022</a:t>
             </a:fld>
             <a:endParaRPr lang="de-DE"/>
           </a:p>
@@ -1733,7 +1973,7 @@
           <a:p>
             <a:fld id="{92F39F2A-D9E3-46DC-A265-B4B23A124910}" type="datetimeFigureOut">
               <a:rPr lang="de-DE" smtClean="0"/>
-              <a:t>05.10.2022</a:t>
+              <a:t>25.10.2022</a:t>
             </a:fld>
             <a:endParaRPr lang="de-DE"/>
           </a:p>
@@ -2148,7 +2388,7 @@
           <a:p>
             <a:fld id="{92F39F2A-D9E3-46DC-A265-B4B23A124910}" type="datetimeFigureOut">
               <a:rPr lang="de-DE" smtClean="0"/>
-              <a:t>05.10.2022</a:t>
+              <a:t>25.10.2022</a:t>
             </a:fld>
             <a:endParaRPr lang="de-DE"/>
           </a:p>
@@ -2290,7 +2530,7 @@
           <a:p>
             <a:fld id="{92F39F2A-D9E3-46DC-A265-B4B23A124910}" type="datetimeFigureOut">
               <a:rPr lang="de-DE" smtClean="0"/>
-              <a:t>05.10.2022</a:t>
+              <a:t>25.10.2022</a:t>
             </a:fld>
             <a:endParaRPr lang="de-DE"/>
           </a:p>
@@ -2403,7 +2643,7 @@
           <a:p>
             <a:fld id="{92F39F2A-D9E3-46DC-A265-B4B23A124910}" type="datetimeFigureOut">
               <a:rPr lang="de-DE" smtClean="0"/>
-              <a:t>05.10.2022</a:t>
+              <a:t>25.10.2022</a:t>
             </a:fld>
             <a:endParaRPr lang="de-DE"/>
           </a:p>
@@ -2716,7 +2956,7 @@
           <a:p>
             <a:fld id="{92F39F2A-D9E3-46DC-A265-B4B23A124910}" type="datetimeFigureOut">
               <a:rPr lang="de-DE" smtClean="0"/>
-              <a:t>05.10.2022</a:t>
+              <a:t>25.10.2022</a:t>
             </a:fld>
             <a:endParaRPr lang="de-DE"/>
           </a:p>
@@ -3005,7 +3245,7 @@
           <a:p>
             <a:fld id="{92F39F2A-D9E3-46DC-A265-B4B23A124910}" type="datetimeFigureOut">
               <a:rPr lang="de-DE" smtClean="0"/>
-              <a:t>05.10.2022</a:t>
+              <a:t>25.10.2022</a:t>
             </a:fld>
             <a:endParaRPr lang="de-DE"/>
           </a:p>
@@ -3248,7 +3488,7 @@
           <a:p>
             <a:fld id="{92F39F2A-D9E3-46DC-A265-B4B23A124910}" type="datetimeFigureOut">
               <a:rPr lang="de-DE" smtClean="0"/>
-              <a:t>05.10.2022</a:t>
+              <a:t>25.10.2022</a:t>
             </a:fld>
             <a:endParaRPr lang="de-DE"/>
           </a:p>
@@ -5493,6 +5733,1862 @@
 </p:sld>
 </file>
 
+<file path=ppt/slides/slide15.xml><?xml version="1.0" encoding="utf-8"?>
+<p:sld xmlns:a="http://schemas.openxmlformats.org/drawingml/2006/main" xmlns:r="http://schemas.openxmlformats.org/officeDocument/2006/relationships" xmlns:p="http://schemas.openxmlformats.org/presentationml/2006/main">
+  <p:cSld>
+    <p:spTree>
+      <p:nvGrpSpPr>
+        <p:cNvPr id="1" name=""/>
+        <p:cNvGrpSpPr/>
+        <p:nvPr/>
+      </p:nvGrpSpPr>
+      <p:grpSpPr>
+        <a:xfrm>
+          <a:off x="0" y="0"/>
+          <a:ext cx="0" cy="0"/>
+          <a:chOff x="0" y="0"/>
+          <a:chExt cx="0" cy="0"/>
+        </a:xfrm>
+      </p:grpSpPr>
+      <p:sp>
+        <p:nvSpPr>
+          <p:cNvPr id="2" name="Tittel 1">
+            <a:extLst>
+              <a:ext uri="{FF2B5EF4-FFF2-40B4-BE49-F238E27FC236}">
+                <a16:creationId xmlns:a16="http://schemas.microsoft.com/office/drawing/2014/main" id="{DBA33031-CD04-400E-9361-C1683E0527EC}"/>
+              </a:ext>
+            </a:extLst>
+          </p:cNvPr>
+          <p:cNvSpPr>
+            <a:spLocks noGrp="1"/>
+          </p:cNvSpPr>
+          <p:nvPr>
+            <p:ph type="title"/>
+          </p:nvPr>
+        </p:nvSpPr>
+        <p:spPr/>
+        <p:txBody>
+          <a:bodyPr/>
+          <a:lstStyle/>
+          <a:p>
+            <a:r>
+              <a:rPr lang="de-DE" dirty="0"/>
+              <a:t>Status 20.10</a:t>
+            </a:r>
+          </a:p>
+        </p:txBody>
+      </p:sp>
+      <p:sp>
+        <p:nvSpPr>
+          <p:cNvPr id="3" name="Plassholder for innhold 2">
+            <a:extLst>
+              <a:ext uri="{FF2B5EF4-FFF2-40B4-BE49-F238E27FC236}">
+                <a16:creationId xmlns:a16="http://schemas.microsoft.com/office/drawing/2014/main" id="{A2D7C221-57FB-C35E-29C8-191614AAD7D6}"/>
+              </a:ext>
+            </a:extLst>
+          </p:cNvPr>
+          <p:cNvSpPr>
+            <a:spLocks noGrp="1"/>
+          </p:cNvSpPr>
+          <p:nvPr>
+            <p:ph idx="1"/>
+          </p:nvPr>
+        </p:nvSpPr>
+        <p:spPr/>
+        <p:txBody>
+          <a:bodyPr>
+            <a:normAutofit lnSpcReduction="10000"/>
+          </a:bodyPr>
+          <a:lstStyle/>
+          <a:p>
+            <a:r>
+              <a:rPr lang="de-DE" dirty="0"/>
+              <a:t>Do not </a:t>
+            </a:r>
+            <a:r>
+              <a:rPr lang="de-DE" dirty="0" err="1"/>
+              <a:t>remember</a:t>
+            </a:r>
+            <a:r>
+              <a:rPr lang="de-DE" dirty="0"/>
+              <a:t> </a:t>
+            </a:r>
+            <a:r>
+              <a:rPr lang="de-DE" dirty="0" err="1"/>
+              <a:t>exactly</a:t>
+            </a:r>
+            <a:r>
+              <a:rPr lang="de-DE" dirty="0"/>
+              <a:t> </a:t>
+            </a:r>
+            <a:r>
+              <a:rPr lang="de-DE" dirty="0" err="1"/>
+              <a:t>how</a:t>
+            </a:r>
+            <a:r>
+              <a:rPr lang="de-DE" dirty="0"/>
+              <a:t> </a:t>
+            </a:r>
+            <a:r>
+              <a:rPr lang="de-DE" dirty="0" err="1"/>
+              <a:t>far</a:t>
+            </a:r>
+            <a:r>
+              <a:rPr lang="de-DE" dirty="0"/>
+              <a:t> I </a:t>
+            </a:r>
+            <a:r>
+              <a:rPr lang="de-DE" dirty="0" err="1"/>
+              <a:t>had</a:t>
+            </a:r>
+            <a:r>
+              <a:rPr lang="de-DE" dirty="0"/>
+              <a:t> </a:t>
+            </a:r>
+            <a:r>
+              <a:rPr lang="de-DE" dirty="0" err="1"/>
+              <a:t>come</a:t>
+            </a:r>
+            <a:r>
+              <a:rPr lang="de-DE" dirty="0"/>
+              <a:t> last time</a:t>
+            </a:r>
+          </a:p>
+          <a:p>
+            <a:r>
+              <a:rPr lang="de-DE" dirty="0" err="1"/>
+              <a:t>From</a:t>
+            </a:r>
+            <a:r>
+              <a:rPr lang="de-DE" dirty="0"/>
+              <a:t> </a:t>
+            </a:r>
+            <a:r>
+              <a:rPr lang="de-DE" dirty="0" err="1"/>
+              <a:t>two</a:t>
+            </a:r>
+            <a:r>
+              <a:rPr lang="de-DE" dirty="0"/>
+              <a:t> </a:t>
+            </a:r>
+            <a:r>
+              <a:rPr lang="de-DE" dirty="0" err="1"/>
+              <a:t>weeks</a:t>
+            </a:r>
+            <a:r>
+              <a:rPr lang="de-DE" dirty="0"/>
+              <a:t> back: I </a:t>
+            </a:r>
+            <a:r>
+              <a:rPr lang="de-DE" dirty="0" err="1"/>
+              <a:t>have</a:t>
+            </a:r>
+            <a:r>
+              <a:rPr lang="de-DE" dirty="0"/>
+              <a:t> </a:t>
+            </a:r>
+            <a:r>
+              <a:rPr lang="de-DE" dirty="0" err="1"/>
+              <a:t>already</a:t>
+            </a:r>
+            <a:r>
+              <a:rPr lang="de-DE" dirty="0"/>
+              <a:t> </a:t>
+            </a:r>
+            <a:r>
+              <a:rPr lang="de-DE" dirty="0" err="1"/>
+              <a:t>checked</a:t>
+            </a:r>
+            <a:r>
+              <a:rPr lang="de-DE" dirty="0"/>
+              <a:t> </a:t>
+            </a:r>
+            <a:r>
+              <a:rPr lang="de-DE" dirty="0" err="1"/>
+              <a:t>zero</a:t>
+            </a:r>
+            <a:r>
+              <a:rPr lang="de-DE" dirty="0"/>
+              <a:t> </a:t>
+            </a:r>
+            <a:r>
+              <a:rPr lang="de-DE" dirty="0" err="1"/>
+              <a:t>projections</a:t>
+            </a:r>
+            <a:r>
+              <a:rPr lang="de-DE" dirty="0"/>
+              <a:t> </a:t>
+            </a:r>
+            <a:r>
+              <a:rPr lang="de-DE" dirty="0" err="1"/>
+              <a:t>for</a:t>
+            </a:r>
+            <a:r>
+              <a:rPr lang="de-DE" dirty="0"/>
+              <a:t> </a:t>
+            </a:r>
+            <a:r>
+              <a:rPr lang="de-DE" dirty="0" err="1"/>
+              <a:t>big</a:t>
+            </a:r>
+            <a:r>
+              <a:rPr lang="de-DE" dirty="0"/>
+              <a:t> sample. Never </a:t>
+            </a:r>
+            <a:r>
+              <a:rPr lang="de-DE" dirty="0" err="1"/>
+              <a:t>occured</a:t>
+            </a:r>
+            <a:r>
+              <a:rPr lang="de-DE" dirty="0"/>
+              <a:t>. Thus limited </a:t>
+            </a:r>
+            <a:r>
+              <a:rPr lang="de-DE" dirty="0" err="1"/>
+              <a:t>to</a:t>
+            </a:r>
+            <a:r>
+              <a:rPr lang="de-DE" dirty="0"/>
+              <a:t> a </a:t>
+            </a:r>
+            <a:r>
+              <a:rPr lang="de-DE" dirty="0" err="1"/>
+              <a:t>debugging</a:t>
+            </a:r>
+            <a:r>
+              <a:rPr lang="de-DE" dirty="0"/>
+              <a:t> </a:t>
+            </a:r>
+            <a:r>
+              <a:rPr lang="de-DE" dirty="0" err="1"/>
+              <a:t>case</a:t>
+            </a:r>
+            <a:r>
+              <a:rPr lang="de-DE" dirty="0"/>
+              <a:t>.</a:t>
+            </a:r>
+          </a:p>
+          <a:p>
+            <a:r>
+              <a:rPr lang="de-DE" dirty="0" err="1"/>
+              <a:t>Implemented</a:t>
+            </a:r>
+            <a:r>
+              <a:rPr lang="de-DE" dirty="0"/>
+              <a:t> </a:t>
+            </a:r>
+            <a:r>
+              <a:rPr lang="de-DE" dirty="0" err="1"/>
+              <a:t>orientation</a:t>
+            </a:r>
+            <a:r>
+              <a:rPr lang="de-DE" dirty="0"/>
+              <a:t>, </a:t>
+            </a:r>
+            <a:r>
+              <a:rPr lang="de-DE" dirty="0" err="1"/>
+              <a:t>aniso</a:t>
+            </a:r>
+            <a:r>
+              <a:rPr lang="de-DE" dirty="0"/>
+              <a:t> </a:t>
+            </a:r>
+            <a:r>
+              <a:rPr lang="de-DE" dirty="0" err="1"/>
+              <a:t>etc</a:t>
+            </a:r>
+            <a:endParaRPr lang="de-DE" dirty="0"/>
+          </a:p>
+          <a:p>
+            <a:pPr lvl="1"/>
+            <a:r>
+              <a:rPr lang="de-DE" dirty="0"/>
+              <a:t>Runs, but </a:t>
+            </a:r>
+            <a:r>
+              <a:rPr lang="de-DE" dirty="0" err="1"/>
+              <a:t>mysterious</a:t>
+            </a:r>
+            <a:r>
+              <a:rPr lang="de-DE" dirty="0"/>
+              <a:t> </a:t>
+            </a:r>
+            <a:r>
+              <a:rPr lang="de-DE" dirty="0" err="1"/>
+              <a:t>results</a:t>
+            </a:r>
+            <a:endParaRPr lang="de-DE" dirty="0"/>
+          </a:p>
+          <a:p>
+            <a:pPr lvl="1"/>
+            <a:r>
+              <a:rPr lang="de-DE" dirty="0"/>
+              <a:t>Lots </a:t>
+            </a:r>
+            <a:r>
+              <a:rPr lang="de-DE" dirty="0" err="1"/>
+              <a:t>of</a:t>
+            </a:r>
+            <a:r>
+              <a:rPr lang="de-DE" dirty="0"/>
+              <a:t> </a:t>
+            </a:r>
+            <a:r>
+              <a:rPr lang="de-DE" dirty="0" err="1"/>
+              <a:t>debugging</a:t>
+            </a:r>
+            <a:r>
+              <a:rPr lang="de-DE" dirty="0"/>
+              <a:t>. Something </a:t>
+            </a:r>
+            <a:r>
+              <a:rPr lang="de-DE" dirty="0" err="1"/>
+              <a:t>is</a:t>
+            </a:r>
+            <a:r>
+              <a:rPr lang="de-DE" dirty="0"/>
+              <a:t> </a:t>
+            </a:r>
+            <a:r>
+              <a:rPr lang="de-DE" dirty="0" err="1"/>
+              <a:t>probably</a:t>
+            </a:r>
+            <a:r>
+              <a:rPr lang="de-DE" dirty="0"/>
+              <a:t> a </a:t>
+            </a:r>
+            <a:r>
+              <a:rPr lang="de-DE" dirty="0" err="1"/>
+              <a:t>bit</a:t>
+            </a:r>
+            <a:r>
+              <a:rPr lang="de-DE" dirty="0"/>
+              <a:t> </a:t>
+            </a:r>
+            <a:r>
+              <a:rPr lang="de-DE" dirty="0" err="1"/>
+              <a:t>wrong</a:t>
+            </a:r>
+            <a:endParaRPr lang="de-DE" dirty="0"/>
+          </a:p>
+          <a:p>
+            <a:r>
+              <a:rPr lang="de-DE" dirty="0" err="1"/>
+              <a:t>Implemented</a:t>
+            </a:r>
+            <a:r>
+              <a:rPr lang="de-DE" dirty="0"/>
+              <a:t> bilinear </a:t>
+            </a:r>
+            <a:r>
+              <a:rPr lang="de-DE" dirty="0" err="1"/>
+              <a:t>interpolation</a:t>
+            </a:r>
+            <a:r>
+              <a:rPr lang="de-DE" dirty="0"/>
+              <a:t> and </a:t>
+            </a:r>
+            <a:r>
+              <a:rPr lang="de-DE" dirty="0" err="1"/>
+              <a:t>convolution</a:t>
+            </a:r>
+            <a:r>
+              <a:rPr lang="de-DE" dirty="0"/>
+              <a:t> </a:t>
+            </a:r>
+            <a:r>
+              <a:rPr lang="de-DE" dirty="0" err="1"/>
+              <a:t>filter</a:t>
+            </a:r>
+            <a:r>
+              <a:rPr lang="de-DE" dirty="0"/>
+              <a:t> </a:t>
+            </a:r>
+            <a:r>
+              <a:rPr lang="de-DE" dirty="0" err="1"/>
+              <a:t>for</a:t>
+            </a:r>
+            <a:r>
+              <a:rPr lang="de-DE" dirty="0"/>
+              <a:t> AD</a:t>
+            </a:r>
+          </a:p>
+          <a:p>
+            <a:pPr lvl="1"/>
+            <a:r>
+              <a:rPr lang="de-DE" dirty="0" err="1"/>
+              <a:t>Drastic</a:t>
+            </a:r>
+            <a:r>
+              <a:rPr lang="de-DE" dirty="0"/>
+              <a:t> </a:t>
+            </a:r>
+            <a:r>
+              <a:rPr lang="de-DE" dirty="0" err="1"/>
+              <a:t>increase</a:t>
+            </a:r>
+            <a:r>
+              <a:rPr lang="de-DE" dirty="0"/>
+              <a:t> in </a:t>
+            </a:r>
+            <a:r>
+              <a:rPr lang="de-DE" dirty="0" err="1"/>
+              <a:t>accuracy</a:t>
+            </a:r>
+            <a:endParaRPr lang="de-DE" dirty="0"/>
+          </a:p>
+          <a:p>
+            <a:r>
+              <a:rPr lang="de-DE" dirty="0" err="1"/>
+              <a:t>Implemented</a:t>
+            </a:r>
+            <a:r>
+              <a:rPr lang="de-DE" dirty="0"/>
+              <a:t> GPU </a:t>
+            </a:r>
+            <a:r>
+              <a:rPr lang="de-DE" dirty="0" err="1"/>
+              <a:t>arrays</a:t>
+            </a:r>
+            <a:endParaRPr lang="de-DE" dirty="0"/>
+          </a:p>
+          <a:p>
+            <a:pPr lvl="1"/>
+            <a:r>
+              <a:rPr lang="de-DE" dirty="0"/>
+              <a:t>Made code </a:t>
+            </a:r>
+            <a:r>
+              <a:rPr lang="de-DE" dirty="0" err="1"/>
+              <a:t>slower</a:t>
+            </a:r>
+            <a:r>
+              <a:rPr lang="de-DE" dirty="0"/>
+              <a:t>. Most </a:t>
+            </a:r>
+            <a:r>
+              <a:rPr lang="de-DE" dirty="0" err="1"/>
+              <a:t>likely</a:t>
+            </a:r>
+            <a:r>
+              <a:rPr lang="de-DE" dirty="0"/>
+              <a:t> </a:t>
+            </a:r>
+            <a:r>
+              <a:rPr lang="de-DE" dirty="0" err="1"/>
+              <a:t>more</a:t>
+            </a:r>
+            <a:r>
+              <a:rPr lang="de-DE" dirty="0"/>
+              <a:t> </a:t>
+            </a:r>
+            <a:r>
+              <a:rPr lang="de-DE" dirty="0" err="1"/>
+              <a:t>efficient</a:t>
+            </a:r>
+            <a:r>
+              <a:rPr lang="de-DE" dirty="0"/>
+              <a:t> on larger </a:t>
+            </a:r>
+            <a:r>
+              <a:rPr lang="de-DE" dirty="0" err="1"/>
+              <a:t>data</a:t>
+            </a:r>
+            <a:r>
+              <a:rPr lang="de-DE" dirty="0"/>
+              <a:t> </a:t>
+            </a:r>
+            <a:r>
+              <a:rPr lang="de-DE" dirty="0" err="1"/>
+              <a:t>set</a:t>
+            </a:r>
+            <a:endParaRPr lang="de-DE" dirty="0"/>
+          </a:p>
+          <a:p>
+            <a:endParaRPr lang="de-DE" dirty="0"/>
+          </a:p>
+          <a:p>
+            <a:endParaRPr lang="de-DE" dirty="0"/>
+          </a:p>
+          <a:p>
+            <a:endParaRPr lang="de-DE" dirty="0"/>
+          </a:p>
+        </p:txBody>
+      </p:sp>
+    </p:spTree>
+    <p:extLst>
+      <p:ext uri="{BB962C8B-B14F-4D97-AF65-F5344CB8AC3E}">
+        <p14:creationId xmlns:p14="http://schemas.microsoft.com/office/powerpoint/2010/main" val="2914422848"/>
+      </p:ext>
+    </p:extLst>
+  </p:cSld>
+  <p:clrMapOvr>
+    <a:masterClrMapping/>
+  </p:clrMapOvr>
+</p:sld>
+</file>
+
+<file path=ppt/slides/slide16.xml><?xml version="1.0" encoding="utf-8"?>
+<p:sld xmlns:a="http://schemas.openxmlformats.org/drawingml/2006/main" xmlns:r="http://schemas.openxmlformats.org/officeDocument/2006/relationships" xmlns:p="http://schemas.openxmlformats.org/presentationml/2006/main">
+  <p:cSld>
+    <p:spTree>
+      <p:nvGrpSpPr>
+        <p:cNvPr id="1" name=""/>
+        <p:cNvGrpSpPr/>
+        <p:nvPr/>
+      </p:nvGrpSpPr>
+      <p:grpSpPr>
+        <a:xfrm>
+          <a:off x="0" y="0"/>
+          <a:ext cx="0" cy="0"/>
+          <a:chOff x="0" y="0"/>
+          <a:chExt cx="0" cy="0"/>
+        </a:xfrm>
+      </p:grpSpPr>
+      <p:sp>
+        <p:nvSpPr>
+          <p:cNvPr id="2" name="Tittel 1">
+            <a:extLst>
+              <a:ext uri="{FF2B5EF4-FFF2-40B4-BE49-F238E27FC236}">
+                <a16:creationId xmlns:a16="http://schemas.microsoft.com/office/drawing/2014/main" id="{4D1B74AA-5095-488E-F8ED-29053A726DEC}"/>
+              </a:ext>
+            </a:extLst>
+          </p:cNvPr>
+          <p:cNvSpPr>
+            <a:spLocks noGrp="1"/>
+          </p:cNvSpPr>
+          <p:nvPr>
+            <p:ph type="title"/>
+          </p:nvPr>
+        </p:nvSpPr>
+        <p:spPr/>
+        <p:txBody>
+          <a:bodyPr/>
+          <a:lstStyle/>
+          <a:p>
+            <a:r>
+              <a:rPr lang="de-DE" dirty="0"/>
+              <a:t>Status 20.10</a:t>
+            </a:r>
+          </a:p>
+        </p:txBody>
+      </p:sp>
+      <p:sp>
+        <p:nvSpPr>
+          <p:cNvPr id="3" name="Plassholder for innhold 2">
+            <a:extLst>
+              <a:ext uri="{FF2B5EF4-FFF2-40B4-BE49-F238E27FC236}">
+                <a16:creationId xmlns:a16="http://schemas.microsoft.com/office/drawing/2014/main" id="{05B09F4D-2194-C828-0B00-0133D0E3C90E}"/>
+              </a:ext>
+            </a:extLst>
+          </p:cNvPr>
+          <p:cNvSpPr>
+            <a:spLocks noGrp="1"/>
+          </p:cNvSpPr>
+          <p:nvPr>
+            <p:ph idx="1"/>
+          </p:nvPr>
+        </p:nvSpPr>
+        <p:spPr/>
+        <p:txBody>
+          <a:bodyPr/>
+          <a:lstStyle/>
+          <a:p>
+            <a:r>
+              <a:rPr lang="de-DE" dirty="0"/>
+              <a:t>Had an </a:t>
+            </a:r>
+            <a:r>
+              <a:rPr lang="de-DE" dirty="0" err="1"/>
+              <a:t>idea</a:t>
+            </a:r>
+            <a:r>
+              <a:rPr lang="de-DE" dirty="0"/>
+              <a:t> </a:t>
+            </a:r>
+            <a:r>
+              <a:rPr lang="de-DE" dirty="0" err="1"/>
+              <a:t>to</a:t>
+            </a:r>
+            <a:r>
+              <a:rPr lang="de-DE" dirty="0"/>
+              <a:t> </a:t>
+            </a:r>
+            <a:r>
+              <a:rPr lang="de-DE" dirty="0" err="1"/>
+              <a:t>speed</a:t>
+            </a:r>
+            <a:r>
+              <a:rPr lang="de-DE" dirty="0"/>
+              <a:t> </a:t>
+            </a:r>
+            <a:r>
+              <a:rPr lang="de-DE" dirty="0" err="1"/>
+              <a:t>up</a:t>
+            </a:r>
+            <a:r>
+              <a:rPr lang="de-DE" dirty="0"/>
+              <a:t> AD</a:t>
+            </a:r>
+          </a:p>
+          <a:p>
+            <a:pPr lvl="1"/>
+            <a:r>
+              <a:rPr lang="de-DE" dirty="0" err="1"/>
+              <a:t>Did</a:t>
+            </a:r>
+            <a:r>
+              <a:rPr lang="de-DE" dirty="0"/>
+              <a:t> not </a:t>
+            </a:r>
+            <a:r>
+              <a:rPr lang="de-DE" dirty="0" err="1"/>
+              <a:t>allow</a:t>
+            </a:r>
+            <a:r>
+              <a:rPr lang="de-DE" dirty="0"/>
+              <a:t> parallel </a:t>
+            </a:r>
+            <a:r>
+              <a:rPr lang="de-DE" dirty="0" err="1"/>
+              <a:t>computing</a:t>
+            </a:r>
+            <a:endParaRPr lang="de-DE" dirty="0"/>
+          </a:p>
+          <a:p>
+            <a:pPr lvl="1"/>
+            <a:r>
+              <a:rPr lang="de-DE" dirty="0"/>
+              <a:t>Was </a:t>
+            </a:r>
+            <a:r>
+              <a:rPr lang="de-DE" dirty="0" err="1"/>
+              <a:t>generally</a:t>
+            </a:r>
+            <a:r>
+              <a:rPr lang="de-DE" dirty="0"/>
+              <a:t> </a:t>
+            </a:r>
+            <a:r>
+              <a:rPr lang="de-DE" dirty="0" err="1"/>
+              <a:t>slower</a:t>
+            </a:r>
+            <a:r>
+              <a:rPr lang="de-DE" dirty="0"/>
+              <a:t> </a:t>
+            </a:r>
+            <a:r>
+              <a:rPr lang="de-DE" dirty="0" err="1"/>
+              <a:t>as</a:t>
+            </a:r>
+            <a:r>
+              <a:rPr lang="de-DE" dirty="0"/>
+              <a:t> </a:t>
+            </a:r>
+            <a:r>
+              <a:rPr lang="de-DE" dirty="0" err="1"/>
+              <a:t>well</a:t>
+            </a:r>
+            <a:endParaRPr lang="de-DE" dirty="0"/>
+          </a:p>
+          <a:p>
+            <a:pPr lvl="1"/>
+            <a:r>
+              <a:rPr lang="de-DE" dirty="0" err="1"/>
+              <a:t>Based</a:t>
+            </a:r>
+            <a:r>
+              <a:rPr lang="de-DE" dirty="0"/>
+              <a:t> on </a:t>
+            </a:r>
+            <a:r>
+              <a:rPr lang="de-DE" dirty="0" err="1"/>
+              <a:t>numerous</a:t>
+            </a:r>
+            <a:r>
+              <a:rPr lang="de-DE" dirty="0"/>
+              <a:t> </a:t>
+            </a:r>
+            <a:r>
+              <a:rPr lang="de-DE" dirty="0" err="1"/>
+              <a:t>profiling</a:t>
+            </a:r>
+            <a:r>
+              <a:rPr lang="de-DE" dirty="0"/>
+              <a:t> </a:t>
+            </a:r>
+            <a:r>
+              <a:rPr lang="de-DE" dirty="0" err="1"/>
+              <a:t>results</a:t>
+            </a:r>
+            <a:r>
+              <a:rPr lang="de-DE" dirty="0"/>
+              <a:t>; </a:t>
+            </a:r>
+            <a:r>
+              <a:rPr lang="de-DE" dirty="0" err="1"/>
+              <a:t>Stored</a:t>
+            </a:r>
+            <a:r>
+              <a:rPr lang="de-DE" dirty="0"/>
+              <a:t> </a:t>
+            </a:r>
+            <a:r>
+              <a:rPr lang="de-DE" dirty="0" err="1"/>
+              <a:t>as</a:t>
+            </a:r>
+            <a:r>
+              <a:rPr lang="de-DE" dirty="0"/>
+              <a:t> </a:t>
+            </a:r>
+            <a:r>
+              <a:rPr lang="de-DE" dirty="0" err="1"/>
+              <a:t>html</a:t>
+            </a:r>
+            <a:endParaRPr lang="de-DE" dirty="0"/>
+          </a:p>
+          <a:p>
+            <a:r>
+              <a:rPr lang="de-DE" dirty="0" err="1"/>
+              <a:t>Created</a:t>
+            </a:r>
+            <a:r>
+              <a:rPr lang="de-DE" dirty="0"/>
+              <a:t> </a:t>
+            </a:r>
+            <a:r>
+              <a:rPr lang="de-DE" dirty="0" err="1"/>
+              <a:t>Mondays</a:t>
+            </a:r>
+            <a:r>
+              <a:rPr lang="de-DE" dirty="0"/>
+              <a:t> PP </a:t>
+            </a:r>
+            <a:r>
+              <a:rPr lang="de-DE" dirty="0" err="1"/>
+              <a:t>presentation</a:t>
+            </a:r>
+            <a:endParaRPr lang="de-DE" dirty="0"/>
+          </a:p>
+          <a:p>
+            <a:r>
+              <a:rPr lang="de-DE" dirty="0" err="1"/>
+              <a:t>Tried</a:t>
+            </a:r>
+            <a:r>
+              <a:rPr lang="de-DE" dirty="0"/>
+              <a:t> </a:t>
+            </a:r>
+            <a:r>
+              <a:rPr lang="de-DE" dirty="0" err="1"/>
+              <a:t>to</a:t>
+            </a:r>
+            <a:r>
+              <a:rPr lang="de-DE" dirty="0"/>
+              <a:t> </a:t>
+            </a:r>
+            <a:r>
+              <a:rPr lang="de-DE" dirty="0" err="1"/>
+              <a:t>run</a:t>
+            </a:r>
+            <a:r>
+              <a:rPr lang="de-DE" dirty="0"/>
+              <a:t> </a:t>
+            </a:r>
+            <a:r>
+              <a:rPr lang="de-DE" dirty="0" err="1"/>
+              <a:t>big</a:t>
+            </a:r>
+            <a:r>
+              <a:rPr lang="de-DE" dirty="0"/>
+              <a:t> sample – </a:t>
+            </a:r>
+            <a:r>
+              <a:rPr lang="de-DE" dirty="0" err="1"/>
+              <a:t>need</a:t>
+            </a:r>
+            <a:r>
+              <a:rPr lang="de-DE" dirty="0"/>
+              <a:t> </a:t>
+            </a:r>
+            <a:r>
+              <a:rPr lang="de-DE" dirty="0" err="1"/>
+              <a:t>some</a:t>
+            </a:r>
+            <a:r>
+              <a:rPr lang="de-DE" dirty="0"/>
+              <a:t> </a:t>
+            </a:r>
+            <a:r>
+              <a:rPr lang="de-DE" dirty="0" err="1"/>
+              <a:t>assistance</a:t>
+            </a:r>
+            <a:r>
+              <a:rPr lang="de-DE" dirty="0"/>
+              <a:t> on </a:t>
+            </a:r>
+            <a:r>
+              <a:rPr lang="de-DE" dirty="0" err="1"/>
+              <a:t>gamma</a:t>
+            </a:r>
+            <a:endParaRPr lang="de-DE" dirty="0"/>
+          </a:p>
+          <a:p>
+            <a:r>
+              <a:rPr lang="de-DE" dirty="0" err="1"/>
+              <a:t>Considered</a:t>
+            </a:r>
+            <a:r>
+              <a:rPr lang="de-DE" dirty="0"/>
+              <a:t> </a:t>
+            </a:r>
+            <a:r>
+              <a:rPr lang="de-DE" dirty="0" err="1"/>
+              <a:t>optimising</a:t>
+            </a:r>
+            <a:r>
+              <a:rPr lang="de-DE" dirty="0"/>
+              <a:t> </a:t>
+            </a:r>
+            <a:r>
+              <a:rPr lang="de-DE" dirty="0" err="1"/>
+              <a:t>memory</a:t>
+            </a:r>
+            <a:endParaRPr lang="de-DE" dirty="0"/>
+          </a:p>
+          <a:p>
+            <a:pPr lvl="1"/>
+            <a:r>
+              <a:rPr lang="de-DE" dirty="0"/>
+              <a:t>But </a:t>
+            </a:r>
+            <a:r>
+              <a:rPr lang="de-DE" dirty="0" err="1"/>
+              <a:t>may</a:t>
+            </a:r>
+            <a:r>
+              <a:rPr lang="de-DE" dirty="0"/>
+              <a:t> </a:t>
+            </a:r>
+            <a:r>
+              <a:rPr lang="de-DE" dirty="0" err="1"/>
+              <a:t>reduce</a:t>
+            </a:r>
+            <a:r>
+              <a:rPr lang="de-DE" dirty="0"/>
+              <a:t> </a:t>
+            </a:r>
+            <a:r>
+              <a:rPr lang="de-DE" dirty="0" err="1"/>
+              <a:t>performance</a:t>
+            </a:r>
+            <a:r>
+              <a:rPr lang="de-DE" dirty="0"/>
+              <a:t>. </a:t>
+            </a:r>
+          </a:p>
+          <a:p>
+            <a:endParaRPr lang="de-DE" dirty="0"/>
+          </a:p>
+          <a:p>
+            <a:endParaRPr lang="de-DE" dirty="0"/>
+          </a:p>
+        </p:txBody>
+      </p:sp>
+    </p:spTree>
+    <p:extLst>
+      <p:ext uri="{BB962C8B-B14F-4D97-AF65-F5344CB8AC3E}">
+        <p14:creationId xmlns:p14="http://schemas.microsoft.com/office/powerpoint/2010/main" val="2813284830"/>
+      </p:ext>
+    </p:extLst>
+  </p:cSld>
+  <p:clrMapOvr>
+    <a:masterClrMapping/>
+  </p:clrMapOvr>
+</p:sld>
+</file>
+
+<file path=ppt/slides/slide17.xml><?xml version="1.0" encoding="utf-8"?>
+<p:sld xmlns:a="http://schemas.openxmlformats.org/drawingml/2006/main" xmlns:r="http://schemas.openxmlformats.org/officeDocument/2006/relationships" xmlns:p="http://schemas.openxmlformats.org/presentationml/2006/main">
+  <p:cSld>
+    <p:spTree>
+      <p:nvGrpSpPr>
+        <p:cNvPr id="1" name=""/>
+        <p:cNvGrpSpPr/>
+        <p:nvPr/>
+      </p:nvGrpSpPr>
+      <p:grpSpPr>
+        <a:xfrm>
+          <a:off x="0" y="0"/>
+          <a:ext cx="0" cy="0"/>
+          <a:chOff x="0" y="0"/>
+          <a:chExt cx="0" cy="0"/>
+        </a:xfrm>
+      </p:grpSpPr>
+      <p:sp>
+        <p:nvSpPr>
+          <p:cNvPr id="2" name="Tittel 1">
+            <a:extLst>
+              <a:ext uri="{FF2B5EF4-FFF2-40B4-BE49-F238E27FC236}">
+                <a16:creationId xmlns:a16="http://schemas.microsoft.com/office/drawing/2014/main" id="{FA17A959-1FB2-9880-A368-FCECF0B4ECF8}"/>
+              </a:ext>
+            </a:extLst>
+          </p:cNvPr>
+          <p:cNvSpPr>
+            <a:spLocks noGrp="1"/>
+          </p:cNvSpPr>
+          <p:nvPr>
+            <p:ph type="title"/>
+          </p:nvPr>
+        </p:nvSpPr>
+        <p:spPr/>
+        <p:txBody>
+          <a:bodyPr/>
+          <a:lstStyle/>
+          <a:p>
+            <a:r>
+              <a:rPr lang="de-DE" dirty="0"/>
+              <a:t>Running </a:t>
+            </a:r>
+            <a:r>
+              <a:rPr lang="de-DE" dirty="0" err="1"/>
+              <a:t>script</a:t>
+            </a:r>
+            <a:r>
+              <a:rPr lang="de-DE" dirty="0"/>
+              <a:t> </a:t>
+            </a:r>
+            <a:r>
+              <a:rPr lang="de-DE" dirty="0" err="1"/>
+              <a:t>with</a:t>
+            </a:r>
+            <a:r>
+              <a:rPr lang="de-DE" dirty="0"/>
+              <a:t> Gamma</a:t>
+            </a:r>
+          </a:p>
+        </p:txBody>
+      </p:sp>
+      <p:sp>
+        <p:nvSpPr>
+          <p:cNvPr id="3" name="Plassholder for innhold 2">
+            <a:extLst>
+              <a:ext uri="{FF2B5EF4-FFF2-40B4-BE49-F238E27FC236}">
+                <a16:creationId xmlns:a16="http://schemas.microsoft.com/office/drawing/2014/main" id="{32B7C12B-693B-3C03-3B83-ADF5398B6E78}"/>
+              </a:ext>
+            </a:extLst>
+          </p:cNvPr>
+          <p:cNvSpPr>
+            <a:spLocks noGrp="1"/>
+          </p:cNvSpPr>
+          <p:nvPr>
+            <p:ph idx="1"/>
+          </p:nvPr>
+        </p:nvSpPr>
+        <p:spPr/>
+        <p:txBody>
+          <a:bodyPr>
+            <a:normAutofit lnSpcReduction="10000"/>
+          </a:bodyPr>
+          <a:lstStyle/>
+          <a:p>
+            <a:r>
+              <a:rPr lang="de-DE" dirty="0" err="1"/>
+              <a:t>Optimising</a:t>
+            </a:r>
+            <a:r>
+              <a:rPr lang="de-DE" dirty="0"/>
+              <a:t> a0 (10 </a:t>
+            </a:r>
+            <a:r>
+              <a:rPr lang="de-DE" dirty="0" err="1"/>
+              <a:t>iterations</a:t>
+            </a:r>
+            <a:r>
+              <a:rPr lang="de-DE" dirty="0"/>
+              <a:t>): 80s</a:t>
+            </a:r>
+          </a:p>
+          <a:p>
+            <a:pPr lvl="1"/>
+            <a:r>
+              <a:rPr lang="de-DE" dirty="0"/>
+              <a:t>250s on personal </a:t>
+            </a:r>
+            <a:r>
+              <a:rPr lang="de-DE" dirty="0" err="1"/>
+              <a:t>computer</a:t>
+            </a:r>
+            <a:r>
+              <a:rPr lang="de-DE" dirty="0"/>
+              <a:t>. </a:t>
+            </a:r>
+          </a:p>
+          <a:p>
+            <a:pPr lvl="1"/>
+            <a:r>
+              <a:rPr lang="de-DE" dirty="0" err="1"/>
+              <a:t>Symbolic</a:t>
+            </a:r>
+            <a:r>
+              <a:rPr lang="de-DE" dirty="0"/>
+              <a:t> 8s. </a:t>
+            </a:r>
+            <a:r>
+              <a:rPr lang="de-DE" dirty="0" err="1"/>
+              <a:t>Symbolic</a:t>
+            </a:r>
+            <a:r>
+              <a:rPr lang="de-DE" dirty="0"/>
+              <a:t> 240s </a:t>
+            </a:r>
+            <a:r>
+              <a:rPr lang="de-DE" dirty="0" err="1"/>
+              <a:t>for</a:t>
+            </a:r>
+            <a:r>
+              <a:rPr lang="de-DE" dirty="0"/>
+              <a:t> </a:t>
+            </a:r>
+            <a:r>
+              <a:rPr lang="de-DE" dirty="0" err="1"/>
+              <a:t>big</a:t>
+            </a:r>
+            <a:r>
+              <a:rPr lang="de-DE" dirty="0"/>
+              <a:t> sample. 30 </a:t>
+            </a:r>
+            <a:r>
+              <a:rPr lang="de-DE" dirty="0" err="1"/>
+              <a:t>times</a:t>
+            </a:r>
+            <a:r>
+              <a:rPr lang="de-DE" dirty="0"/>
+              <a:t> </a:t>
+            </a:r>
+            <a:r>
+              <a:rPr lang="de-DE" dirty="0" err="1"/>
+              <a:t>increase</a:t>
+            </a:r>
+            <a:r>
+              <a:rPr lang="de-DE" dirty="0"/>
+              <a:t> </a:t>
+            </a:r>
+            <a:r>
+              <a:rPr lang="de-DE" dirty="0" err="1"/>
+              <a:t>for</a:t>
+            </a:r>
+            <a:r>
+              <a:rPr lang="de-DE" dirty="0"/>
+              <a:t> 831 </a:t>
+            </a:r>
+            <a:r>
+              <a:rPr lang="de-DE" dirty="0" err="1"/>
+              <a:t>times</a:t>
+            </a:r>
+            <a:r>
+              <a:rPr lang="de-DE" dirty="0"/>
+              <a:t> </a:t>
+            </a:r>
+            <a:r>
+              <a:rPr lang="de-DE" dirty="0" err="1"/>
+              <a:t>bigger</a:t>
+            </a:r>
+            <a:r>
+              <a:rPr lang="de-DE" dirty="0"/>
+              <a:t> sample</a:t>
+            </a:r>
+          </a:p>
+          <a:p>
+            <a:r>
+              <a:rPr lang="de-DE" dirty="0" err="1"/>
+              <a:t>Orientations</a:t>
+            </a:r>
+            <a:endParaRPr lang="de-DE" dirty="0"/>
+          </a:p>
+          <a:p>
+            <a:pPr lvl="1"/>
+            <a:r>
+              <a:rPr lang="de-DE" dirty="0" err="1"/>
+              <a:t>Vanishing</a:t>
+            </a:r>
+            <a:r>
+              <a:rPr lang="de-DE" dirty="0"/>
+              <a:t> </a:t>
+            </a:r>
+            <a:r>
+              <a:rPr lang="de-DE" dirty="0" err="1"/>
+              <a:t>gradient</a:t>
+            </a:r>
+            <a:r>
+              <a:rPr lang="de-DE" dirty="0"/>
+              <a:t> </a:t>
+            </a:r>
+            <a:r>
+              <a:rPr lang="de-DE" dirty="0" err="1"/>
+              <a:t>probably</a:t>
+            </a:r>
+            <a:r>
+              <a:rPr lang="de-DE" dirty="0"/>
+              <a:t> </a:t>
+            </a:r>
+            <a:r>
+              <a:rPr lang="de-DE" dirty="0" err="1"/>
+              <a:t>when</a:t>
+            </a:r>
+            <a:r>
+              <a:rPr lang="de-DE" dirty="0"/>
+              <a:t> AD </a:t>
+            </a:r>
+            <a:r>
+              <a:rPr lang="de-DE" dirty="0" err="1"/>
+              <a:t>has</a:t>
+            </a:r>
+            <a:r>
+              <a:rPr lang="de-DE" dirty="0"/>
+              <a:t> </a:t>
+            </a:r>
+            <a:r>
+              <a:rPr lang="de-DE" dirty="0" err="1"/>
+              <a:t>been</a:t>
+            </a:r>
+            <a:r>
+              <a:rPr lang="de-DE" dirty="0"/>
+              <a:t> </a:t>
+            </a:r>
+            <a:r>
+              <a:rPr lang="de-DE" dirty="0" err="1"/>
+              <a:t>conducted</a:t>
+            </a:r>
+            <a:r>
+              <a:rPr lang="de-DE" dirty="0"/>
+              <a:t> on a0</a:t>
+            </a:r>
+          </a:p>
+          <a:p>
+            <a:pPr lvl="1"/>
+            <a:r>
+              <a:rPr lang="de-DE" dirty="0"/>
+              <a:t>Works </a:t>
+            </a:r>
+            <a:r>
+              <a:rPr lang="de-DE" dirty="0" err="1"/>
+              <a:t>if</a:t>
+            </a:r>
+            <a:r>
+              <a:rPr lang="de-DE" dirty="0"/>
+              <a:t> a0 </a:t>
+            </a:r>
+            <a:r>
+              <a:rPr lang="de-DE" dirty="0" err="1"/>
+              <a:t>calculated</a:t>
+            </a:r>
+            <a:r>
+              <a:rPr lang="de-DE" dirty="0"/>
+              <a:t> </a:t>
+            </a:r>
+            <a:r>
+              <a:rPr lang="de-DE" dirty="0" err="1"/>
+              <a:t>using</a:t>
+            </a:r>
+            <a:r>
+              <a:rPr lang="de-DE" dirty="0"/>
+              <a:t> </a:t>
+            </a:r>
+            <a:r>
+              <a:rPr lang="de-DE" dirty="0" err="1"/>
+              <a:t>symbolic</a:t>
+            </a:r>
+            <a:r>
+              <a:rPr lang="de-DE" dirty="0"/>
+              <a:t> </a:t>
+            </a:r>
+            <a:r>
+              <a:rPr lang="de-DE" dirty="0" err="1"/>
+              <a:t>gradients</a:t>
+            </a:r>
+            <a:endParaRPr lang="de-DE" dirty="0"/>
+          </a:p>
+          <a:p>
+            <a:r>
+              <a:rPr lang="de-DE" dirty="0" err="1"/>
+              <a:t>Nonsymmetric</a:t>
+            </a:r>
+            <a:r>
+              <a:rPr lang="de-DE" dirty="0"/>
+              <a:t> </a:t>
+            </a:r>
+            <a:r>
+              <a:rPr lang="de-DE" dirty="0" err="1"/>
+              <a:t>coefficients</a:t>
+            </a:r>
+            <a:endParaRPr lang="de-DE" dirty="0"/>
+          </a:p>
+          <a:p>
+            <a:pPr lvl="1"/>
+            <a:r>
+              <a:rPr lang="de-DE" dirty="0"/>
+              <a:t>Error </a:t>
+            </a:r>
+            <a:r>
+              <a:rPr lang="de-DE" dirty="0" err="1"/>
+              <a:t>does</a:t>
+            </a:r>
+            <a:r>
+              <a:rPr lang="de-DE" dirty="0"/>
+              <a:t> not </a:t>
+            </a:r>
+            <a:r>
+              <a:rPr lang="de-DE" dirty="0" err="1"/>
+              <a:t>decrease</a:t>
+            </a:r>
+            <a:r>
+              <a:rPr lang="de-DE" dirty="0"/>
+              <a:t> </a:t>
+            </a:r>
+            <a:r>
+              <a:rPr lang="de-DE" dirty="0" err="1"/>
+              <a:t>noteably</a:t>
+            </a:r>
+            <a:endParaRPr lang="de-DE" dirty="0"/>
+          </a:p>
+          <a:p>
+            <a:r>
+              <a:rPr lang="de-DE" dirty="0"/>
+              <a:t>All </a:t>
+            </a:r>
+            <a:r>
+              <a:rPr lang="de-DE" dirty="0" err="1"/>
+              <a:t>combined</a:t>
+            </a:r>
+            <a:endParaRPr lang="de-DE" dirty="0"/>
+          </a:p>
+          <a:p>
+            <a:pPr lvl="1"/>
+            <a:r>
+              <a:rPr lang="de-DE" dirty="0"/>
+              <a:t>Works ok, not </a:t>
+            </a:r>
+            <a:r>
+              <a:rPr lang="de-DE" dirty="0" err="1"/>
+              <a:t>great</a:t>
+            </a:r>
+            <a:endParaRPr lang="de-DE" dirty="0"/>
+          </a:p>
+        </p:txBody>
+      </p:sp>
+    </p:spTree>
+    <p:extLst>
+      <p:ext uri="{BB962C8B-B14F-4D97-AF65-F5344CB8AC3E}">
+        <p14:creationId xmlns:p14="http://schemas.microsoft.com/office/powerpoint/2010/main" val="1156582431"/>
+      </p:ext>
+    </p:extLst>
+  </p:cSld>
+  <p:clrMapOvr>
+    <a:masterClrMapping/>
+  </p:clrMapOvr>
+</p:sld>
+</file>
+
+<file path=ppt/slides/slide18.xml><?xml version="1.0" encoding="utf-8"?>
+<p:sld xmlns:a="http://schemas.openxmlformats.org/drawingml/2006/main" xmlns:r="http://schemas.openxmlformats.org/officeDocument/2006/relationships" xmlns:p="http://schemas.openxmlformats.org/presentationml/2006/main">
+  <p:cSld>
+    <p:spTree>
+      <p:nvGrpSpPr>
+        <p:cNvPr id="1" name=""/>
+        <p:cNvGrpSpPr/>
+        <p:nvPr/>
+      </p:nvGrpSpPr>
+      <p:grpSpPr>
+        <a:xfrm>
+          <a:off x="0" y="0"/>
+          <a:ext cx="0" cy="0"/>
+          <a:chOff x="0" y="0"/>
+          <a:chExt cx="0" cy="0"/>
+        </a:xfrm>
+      </p:grpSpPr>
+      <p:sp>
+        <p:nvSpPr>
+          <p:cNvPr id="2" name="Tittel 1">
+            <a:extLst>
+              <a:ext uri="{FF2B5EF4-FFF2-40B4-BE49-F238E27FC236}">
+                <a16:creationId xmlns:a16="http://schemas.microsoft.com/office/drawing/2014/main" id="{3AC2FBC1-01C4-CB12-5E0F-5632252C18F0}"/>
+              </a:ext>
+            </a:extLst>
+          </p:cNvPr>
+          <p:cNvSpPr>
+            <a:spLocks noGrp="1"/>
+          </p:cNvSpPr>
+          <p:nvPr>
+            <p:ph type="title"/>
+          </p:nvPr>
+        </p:nvSpPr>
+        <p:spPr/>
+        <p:txBody>
+          <a:bodyPr/>
+          <a:lstStyle/>
+          <a:p>
+            <a:r>
+              <a:rPr lang="de-DE" dirty="0"/>
+              <a:t>Next</a:t>
+            </a:r>
+          </a:p>
+        </p:txBody>
+      </p:sp>
+      <p:sp>
+        <p:nvSpPr>
+          <p:cNvPr id="3" name="Plassholder for innhold 2">
+            <a:extLst>
+              <a:ext uri="{FF2B5EF4-FFF2-40B4-BE49-F238E27FC236}">
+                <a16:creationId xmlns:a16="http://schemas.microsoft.com/office/drawing/2014/main" id="{11875CDF-D98F-F7D0-1FE4-ADF7B73F4ECA}"/>
+              </a:ext>
+            </a:extLst>
+          </p:cNvPr>
+          <p:cNvSpPr>
+            <a:spLocks noGrp="1"/>
+          </p:cNvSpPr>
+          <p:nvPr>
+            <p:ph idx="1"/>
+          </p:nvPr>
+        </p:nvSpPr>
+        <p:spPr/>
+        <p:txBody>
+          <a:bodyPr/>
+          <a:lstStyle/>
+          <a:p>
+            <a:r>
+              <a:rPr lang="de-DE" dirty="0" err="1"/>
+              <a:t>Solve</a:t>
+            </a:r>
+            <a:r>
+              <a:rPr lang="de-DE" dirty="0"/>
+              <a:t> </a:t>
+            </a:r>
+            <a:r>
+              <a:rPr lang="de-DE" dirty="0" err="1"/>
+              <a:t>errors</a:t>
+            </a:r>
+            <a:endParaRPr lang="de-DE" dirty="0"/>
+          </a:p>
+          <a:p>
+            <a:r>
+              <a:rPr lang="de-DE"/>
+              <a:t>Write Thesis</a:t>
+            </a:r>
+          </a:p>
+        </p:txBody>
+      </p:sp>
+    </p:spTree>
+    <p:extLst>
+      <p:ext uri="{BB962C8B-B14F-4D97-AF65-F5344CB8AC3E}">
+        <p14:creationId xmlns:p14="http://schemas.microsoft.com/office/powerpoint/2010/main" val="3081874579"/>
+      </p:ext>
+    </p:extLst>
+  </p:cSld>
+  <p:clrMapOvr>
+    <a:masterClrMapping/>
+  </p:clrMapOvr>
+</p:sld>
+</file>
+
+<file path=ppt/slides/slide19.xml><?xml version="1.0" encoding="utf-8"?>
+<p:sld xmlns:a="http://schemas.openxmlformats.org/drawingml/2006/main" xmlns:r="http://schemas.openxmlformats.org/officeDocument/2006/relationships" xmlns:p="http://schemas.openxmlformats.org/presentationml/2006/main">
+  <p:cSld>
+    <p:spTree>
+      <p:nvGrpSpPr>
+        <p:cNvPr id="1" name=""/>
+        <p:cNvGrpSpPr/>
+        <p:nvPr/>
+      </p:nvGrpSpPr>
+      <p:grpSpPr>
+        <a:xfrm>
+          <a:off x="0" y="0"/>
+          <a:ext cx="0" cy="0"/>
+          <a:chOff x="0" y="0"/>
+          <a:chExt cx="0" cy="0"/>
+        </a:xfrm>
+      </p:grpSpPr>
+      <p:sp>
+        <p:nvSpPr>
+          <p:cNvPr id="2" name="Tittel 1">
+            <a:extLst>
+              <a:ext uri="{FF2B5EF4-FFF2-40B4-BE49-F238E27FC236}">
+                <a16:creationId xmlns:a16="http://schemas.microsoft.com/office/drawing/2014/main" id="{0A392994-CC7F-71F3-7791-E4A05E872682}"/>
+              </a:ext>
+            </a:extLst>
+          </p:cNvPr>
+          <p:cNvSpPr>
+            <a:spLocks noGrp="1"/>
+          </p:cNvSpPr>
+          <p:nvPr>
+            <p:ph type="title"/>
+          </p:nvPr>
+        </p:nvSpPr>
+        <p:spPr/>
+        <p:txBody>
+          <a:bodyPr/>
+          <a:lstStyle/>
+          <a:p>
+            <a:r>
+              <a:rPr lang="de-DE" dirty="0"/>
+              <a:t>Status Debugging</a:t>
+            </a:r>
+          </a:p>
+        </p:txBody>
+      </p:sp>
+      <p:sp>
+        <p:nvSpPr>
+          <p:cNvPr id="3" name="Plassholder for innhold 2">
+            <a:extLst>
+              <a:ext uri="{FF2B5EF4-FFF2-40B4-BE49-F238E27FC236}">
+                <a16:creationId xmlns:a16="http://schemas.microsoft.com/office/drawing/2014/main" id="{9AB97CA6-EE52-87A8-D6DD-C8202C38ABB9}"/>
+              </a:ext>
+            </a:extLst>
+          </p:cNvPr>
+          <p:cNvSpPr>
+            <a:spLocks noGrp="1"/>
+          </p:cNvSpPr>
+          <p:nvPr>
+            <p:ph idx="1"/>
+          </p:nvPr>
+        </p:nvSpPr>
+        <p:spPr/>
+        <p:txBody>
+          <a:bodyPr/>
+          <a:lstStyle/>
+          <a:p>
+            <a:r>
+              <a:rPr lang="de-DE" dirty="0"/>
+              <a:t>The </a:t>
+            </a:r>
+            <a:r>
+              <a:rPr lang="de-DE" dirty="0" err="1"/>
+              <a:t>forward</a:t>
+            </a:r>
+            <a:r>
+              <a:rPr lang="de-DE" dirty="0"/>
+              <a:t> pass </a:t>
+            </a:r>
+            <a:r>
+              <a:rPr lang="de-DE" dirty="0" err="1"/>
+              <a:t>is</a:t>
+            </a:r>
+            <a:r>
+              <a:rPr lang="de-DE" dirty="0"/>
+              <a:t> </a:t>
+            </a:r>
+            <a:r>
+              <a:rPr lang="de-DE" dirty="0" err="1"/>
+              <a:t>verified</a:t>
+            </a:r>
+            <a:r>
+              <a:rPr lang="de-DE" dirty="0"/>
+              <a:t>. </a:t>
+            </a:r>
+            <a:r>
+              <a:rPr lang="de-DE" dirty="0" err="1"/>
+              <a:t>It</a:t>
+            </a:r>
+            <a:r>
+              <a:rPr lang="de-DE" dirty="0"/>
+              <a:t> </a:t>
+            </a:r>
+            <a:r>
+              <a:rPr lang="de-DE" dirty="0" err="1"/>
+              <a:t>gives</a:t>
+            </a:r>
+            <a:r>
+              <a:rPr lang="de-DE" dirty="0"/>
+              <a:t> </a:t>
+            </a:r>
+            <a:r>
+              <a:rPr lang="de-DE" dirty="0" err="1"/>
+              <a:t>the</a:t>
+            </a:r>
+            <a:r>
+              <a:rPr lang="de-DE" dirty="0"/>
+              <a:t> </a:t>
+            </a:r>
+            <a:r>
+              <a:rPr lang="de-DE" dirty="0" err="1"/>
+              <a:t>correct</a:t>
+            </a:r>
+            <a:r>
+              <a:rPr lang="de-DE" dirty="0"/>
+              <a:t> </a:t>
+            </a:r>
+            <a:r>
+              <a:rPr lang="de-DE" dirty="0" err="1"/>
+              <a:t>output</a:t>
+            </a:r>
+            <a:endParaRPr lang="de-DE" dirty="0"/>
+          </a:p>
+          <a:p>
+            <a:r>
+              <a:rPr lang="de-DE" dirty="0"/>
+              <a:t>The </a:t>
+            </a:r>
+            <a:r>
+              <a:rPr lang="de-DE" dirty="0" err="1"/>
+              <a:t>gradients</a:t>
+            </a:r>
+            <a:r>
+              <a:rPr lang="de-DE" dirty="0"/>
+              <a:t> </a:t>
+            </a:r>
+            <a:r>
+              <a:rPr lang="de-DE" dirty="0" err="1"/>
+              <a:t>are</a:t>
+            </a:r>
+            <a:r>
+              <a:rPr lang="de-DE" dirty="0"/>
+              <a:t> </a:t>
+            </a:r>
+            <a:r>
+              <a:rPr lang="de-DE" dirty="0" err="1"/>
+              <a:t>approximately</a:t>
+            </a:r>
+            <a:r>
+              <a:rPr lang="de-DE" dirty="0"/>
+              <a:t> </a:t>
+            </a:r>
+            <a:r>
+              <a:rPr lang="de-DE" dirty="0" err="1"/>
+              <a:t>the</a:t>
+            </a:r>
+            <a:r>
+              <a:rPr lang="de-DE" dirty="0"/>
+              <a:t> same. </a:t>
+            </a:r>
+          </a:p>
+          <a:p>
+            <a:pPr lvl="1"/>
+            <a:r>
+              <a:rPr lang="de-DE" dirty="0"/>
+              <a:t>The </a:t>
+            </a:r>
+            <a:r>
+              <a:rPr lang="de-DE" dirty="0" err="1"/>
+              <a:t>difference</a:t>
+            </a:r>
+            <a:r>
+              <a:rPr lang="de-DE" dirty="0"/>
+              <a:t>, </a:t>
+            </a:r>
+            <a:r>
+              <a:rPr lang="de-DE" dirty="0" err="1"/>
+              <a:t>if</a:t>
+            </a:r>
+            <a:r>
+              <a:rPr lang="de-DE" dirty="0"/>
+              <a:t> </a:t>
+            </a:r>
+            <a:r>
+              <a:rPr lang="de-DE" dirty="0" err="1"/>
+              <a:t>one</a:t>
+            </a:r>
+            <a:r>
+              <a:rPr lang="de-DE" dirty="0"/>
+              <a:t>, </a:t>
+            </a:r>
+            <a:r>
+              <a:rPr lang="de-DE" dirty="0" err="1"/>
+              <a:t>is</a:t>
+            </a:r>
+            <a:r>
+              <a:rPr lang="de-DE" dirty="0"/>
+              <a:t> in </a:t>
+            </a:r>
+            <a:r>
+              <a:rPr lang="de-DE" dirty="0" err="1"/>
+              <a:t>the</a:t>
+            </a:r>
+            <a:r>
+              <a:rPr lang="de-DE" dirty="0"/>
+              <a:t> </a:t>
+            </a:r>
+            <a:r>
+              <a:rPr lang="de-DE" dirty="0" err="1"/>
+              <a:t>order</a:t>
+            </a:r>
+            <a:r>
+              <a:rPr lang="de-DE" dirty="0"/>
+              <a:t> </a:t>
+            </a:r>
+            <a:r>
+              <a:rPr lang="de-DE" dirty="0" err="1"/>
+              <a:t>of</a:t>
+            </a:r>
+            <a:r>
+              <a:rPr lang="de-DE" dirty="0"/>
+              <a:t> 1e-4</a:t>
+            </a:r>
+          </a:p>
+          <a:p>
+            <a:pPr lvl="1"/>
+            <a:r>
+              <a:rPr lang="de-DE" dirty="0" err="1"/>
+              <a:t>Difference</a:t>
+            </a:r>
+            <a:r>
+              <a:rPr lang="de-DE" dirty="0"/>
+              <a:t> </a:t>
+            </a:r>
+            <a:r>
+              <a:rPr lang="de-DE" dirty="0" err="1"/>
+              <a:t>amounts</a:t>
+            </a:r>
+            <a:r>
+              <a:rPr lang="de-DE" dirty="0"/>
+              <a:t> </a:t>
+            </a:r>
+            <a:r>
+              <a:rPr lang="de-DE" dirty="0" err="1"/>
+              <a:t>to</a:t>
+            </a:r>
+            <a:r>
+              <a:rPr lang="de-DE" dirty="0"/>
+              <a:t> 1e-2 after 255 </a:t>
+            </a:r>
+            <a:r>
+              <a:rPr lang="de-DE" dirty="0" err="1"/>
+              <a:t>projections</a:t>
+            </a:r>
+            <a:r>
+              <a:rPr lang="de-DE" dirty="0"/>
+              <a:t>. The </a:t>
+            </a:r>
+            <a:r>
+              <a:rPr lang="de-DE" dirty="0" err="1"/>
+              <a:t>biggest</a:t>
+            </a:r>
+            <a:r>
+              <a:rPr lang="de-DE" dirty="0"/>
+              <a:t> </a:t>
+            </a:r>
+            <a:r>
+              <a:rPr lang="de-DE" dirty="0" err="1"/>
+              <a:t>difference</a:t>
+            </a:r>
+            <a:r>
+              <a:rPr lang="de-DE" dirty="0"/>
+              <a:t> </a:t>
+            </a:r>
+            <a:r>
+              <a:rPr lang="de-DE" dirty="0" err="1"/>
+              <a:t>occurs</a:t>
+            </a:r>
+            <a:r>
+              <a:rPr lang="de-DE" dirty="0"/>
+              <a:t> </a:t>
+            </a:r>
+            <a:r>
+              <a:rPr lang="de-DE" dirty="0" err="1"/>
+              <a:t>for</a:t>
+            </a:r>
+            <a:r>
+              <a:rPr lang="de-DE" dirty="0"/>
+              <a:t> </a:t>
+            </a:r>
+            <a:r>
+              <a:rPr lang="de-DE" dirty="0" err="1"/>
+              <a:t>the</a:t>
+            </a:r>
+            <a:r>
+              <a:rPr lang="de-DE" dirty="0"/>
+              <a:t> </a:t>
+            </a:r>
+            <a:r>
+              <a:rPr lang="de-DE" dirty="0" err="1"/>
+              <a:t>largest</a:t>
+            </a:r>
+            <a:r>
+              <a:rPr lang="de-DE" dirty="0"/>
+              <a:t> </a:t>
+            </a:r>
+            <a:r>
+              <a:rPr lang="de-DE" dirty="0" err="1"/>
+              <a:t>gradients</a:t>
+            </a:r>
+            <a:endParaRPr lang="de-DE" dirty="0"/>
+          </a:p>
+          <a:p>
+            <a:pPr lvl="1"/>
+            <a:r>
+              <a:rPr lang="de-DE" dirty="0" err="1"/>
+              <a:t>Resulted</a:t>
+            </a:r>
+            <a:r>
+              <a:rPr lang="de-DE" dirty="0"/>
+              <a:t> in a </a:t>
+            </a:r>
+            <a:r>
+              <a:rPr lang="de-DE" dirty="0" err="1"/>
+              <a:t>small</a:t>
+            </a:r>
+            <a:r>
+              <a:rPr lang="de-DE" dirty="0"/>
+              <a:t> </a:t>
+            </a:r>
+            <a:r>
+              <a:rPr lang="de-DE" dirty="0" err="1"/>
+              <a:t>difference</a:t>
+            </a:r>
+            <a:r>
+              <a:rPr lang="de-DE" dirty="0"/>
+              <a:t> in total </a:t>
+            </a:r>
+            <a:r>
+              <a:rPr lang="de-DE" dirty="0" err="1"/>
+              <a:t>error</a:t>
+            </a:r>
+            <a:r>
+              <a:rPr lang="de-DE" dirty="0"/>
+              <a:t> E, </a:t>
+            </a:r>
+            <a:r>
+              <a:rPr lang="de-DE" dirty="0" err="1"/>
+              <a:t>which</a:t>
+            </a:r>
+            <a:r>
+              <a:rPr lang="de-DE" dirty="0"/>
+              <a:t> </a:t>
+            </a:r>
+            <a:r>
+              <a:rPr lang="de-DE" dirty="0" err="1"/>
+              <a:t>increases</a:t>
+            </a:r>
+            <a:r>
+              <a:rPr lang="de-DE" dirty="0"/>
+              <a:t> </a:t>
+            </a:r>
+            <a:r>
+              <a:rPr lang="de-DE" dirty="0" err="1"/>
+              <a:t>for</a:t>
+            </a:r>
+            <a:r>
+              <a:rPr lang="de-DE" dirty="0"/>
+              <a:t> </a:t>
+            </a:r>
+            <a:r>
+              <a:rPr lang="de-DE" dirty="0" err="1"/>
+              <a:t>every</a:t>
+            </a:r>
+            <a:r>
+              <a:rPr lang="de-DE" dirty="0"/>
+              <a:t> </a:t>
+            </a:r>
+            <a:r>
+              <a:rPr lang="de-DE" dirty="0" err="1"/>
+              <a:t>optimisation</a:t>
+            </a:r>
+            <a:r>
+              <a:rPr lang="de-DE" dirty="0"/>
+              <a:t> </a:t>
+            </a:r>
+            <a:r>
+              <a:rPr lang="de-DE" dirty="0" err="1"/>
+              <a:t>step</a:t>
+            </a:r>
+            <a:endParaRPr lang="de-DE" dirty="0"/>
+          </a:p>
+          <a:p>
+            <a:r>
+              <a:rPr lang="de-DE" dirty="0" err="1"/>
+              <a:t>Anisotropic</a:t>
+            </a:r>
+            <a:r>
+              <a:rPr lang="de-DE" dirty="0"/>
+              <a:t> </a:t>
+            </a:r>
+            <a:r>
+              <a:rPr lang="de-DE" dirty="0" err="1"/>
+              <a:t>coefficients</a:t>
+            </a:r>
+            <a:r>
+              <a:rPr lang="de-DE" dirty="0"/>
+              <a:t> </a:t>
+            </a:r>
+            <a:r>
+              <a:rPr lang="de-DE" dirty="0" err="1"/>
+              <a:t>were</a:t>
+            </a:r>
+            <a:r>
+              <a:rPr lang="de-DE" dirty="0"/>
+              <a:t> </a:t>
+            </a:r>
+            <a:r>
+              <a:rPr lang="de-DE" dirty="0" err="1"/>
+              <a:t>fixed</a:t>
+            </a:r>
+            <a:r>
+              <a:rPr lang="de-DE" dirty="0"/>
+              <a:t>. </a:t>
+            </a:r>
+            <a:r>
+              <a:rPr lang="de-DE" dirty="0" err="1"/>
+              <a:t>Now</a:t>
+            </a:r>
+            <a:r>
+              <a:rPr lang="de-DE" dirty="0"/>
+              <a:t> </a:t>
+            </a:r>
+            <a:r>
+              <a:rPr lang="de-DE" dirty="0" err="1"/>
+              <a:t>equally</a:t>
+            </a:r>
+            <a:r>
+              <a:rPr lang="de-DE" dirty="0"/>
+              <a:t> </a:t>
+            </a:r>
+            <a:r>
+              <a:rPr lang="de-DE" dirty="0" err="1"/>
+              <a:t>good</a:t>
+            </a:r>
+            <a:r>
+              <a:rPr lang="de-DE" dirty="0"/>
+              <a:t> </a:t>
+            </a:r>
+            <a:r>
+              <a:rPr lang="de-DE" dirty="0" err="1"/>
+              <a:t>as</a:t>
+            </a:r>
+            <a:r>
+              <a:rPr lang="de-DE" dirty="0"/>
+              <a:t> a0, </a:t>
+            </a:r>
+            <a:r>
+              <a:rPr lang="de-DE" dirty="0" err="1"/>
+              <a:t>theta</a:t>
+            </a:r>
+            <a:r>
+              <a:rPr lang="de-DE" dirty="0"/>
+              <a:t>, </a:t>
+            </a:r>
+            <a:r>
+              <a:rPr lang="de-DE" dirty="0" err="1"/>
+              <a:t>phi</a:t>
+            </a:r>
+            <a:endParaRPr lang="de-DE" dirty="0"/>
+          </a:p>
+          <a:p>
+            <a:endParaRPr lang="de-DE" dirty="0"/>
+          </a:p>
+        </p:txBody>
+      </p:sp>
+    </p:spTree>
+    <p:extLst>
+      <p:ext uri="{BB962C8B-B14F-4D97-AF65-F5344CB8AC3E}">
+        <p14:creationId xmlns:p14="http://schemas.microsoft.com/office/powerpoint/2010/main" val="1209909979"/>
+      </p:ext>
+    </p:extLst>
+  </p:cSld>
+  <p:clrMapOvr>
+    <a:masterClrMapping/>
+  </p:clrMapOvr>
+</p:sld>
+</file>
+
 <file path=ppt/slides/slide2.xml><?xml version="1.0" encoding="utf-8"?>
 <p:sld xmlns:a="http://schemas.openxmlformats.org/drawingml/2006/main" xmlns:r="http://schemas.openxmlformats.org/officeDocument/2006/relationships" xmlns:p="http://schemas.openxmlformats.org/presentationml/2006/main">
   <p:cSld>
@@ -5687,6 +7783,1519 @@
     <p:extLst>
       <p:ext uri="{BB962C8B-B14F-4D97-AF65-F5344CB8AC3E}">
         <p14:creationId xmlns:p14="http://schemas.microsoft.com/office/powerpoint/2010/main" val="177999540"/>
+      </p:ext>
+    </p:extLst>
+  </p:cSld>
+  <p:clrMapOvr>
+    <a:masterClrMapping/>
+  </p:clrMapOvr>
+</p:sld>
+</file>
+
+<file path=ppt/slides/slide20.xml><?xml version="1.0" encoding="utf-8"?>
+<p:sld xmlns:a="http://schemas.openxmlformats.org/drawingml/2006/main" xmlns:r="http://schemas.openxmlformats.org/officeDocument/2006/relationships" xmlns:p="http://schemas.openxmlformats.org/presentationml/2006/main">
+  <p:cSld>
+    <p:spTree>
+      <p:nvGrpSpPr>
+        <p:cNvPr id="1" name=""/>
+        <p:cNvGrpSpPr/>
+        <p:nvPr/>
+      </p:nvGrpSpPr>
+      <p:grpSpPr>
+        <a:xfrm>
+          <a:off x="0" y="0"/>
+          <a:ext cx="0" cy="0"/>
+          <a:chOff x="0" y="0"/>
+          <a:chExt cx="0" cy="0"/>
+        </a:xfrm>
+      </p:grpSpPr>
+      <p:sp>
+        <p:nvSpPr>
+          <p:cNvPr id="2" name="Tittel 1">
+            <a:extLst>
+              <a:ext uri="{FF2B5EF4-FFF2-40B4-BE49-F238E27FC236}">
+                <a16:creationId xmlns:a16="http://schemas.microsoft.com/office/drawing/2014/main" id="{5CDDAFC0-3959-FA2A-D0DE-3E122AE1C323}"/>
+              </a:ext>
+            </a:extLst>
+          </p:cNvPr>
+          <p:cNvSpPr>
+            <a:spLocks noGrp="1"/>
+          </p:cNvSpPr>
+          <p:nvPr>
+            <p:ph type="title"/>
+          </p:nvPr>
+        </p:nvSpPr>
+        <p:spPr/>
+        <p:txBody>
+          <a:bodyPr/>
+          <a:lstStyle/>
+          <a:p>
+            <a:r>
+              <a:rPr lang="de-DE" dirty="0"/>
+              <a:t>Status Debugging</a:t>
+            </a:r>
+          </a:p>
+        </p:txBody>
+      </p:sp>
+      <p:sp>
+        <p:nvSpPr>
+          <p:cNvPr id="3" name="Plassholder for innhold 2">
+            <a:extLst>
+              <a:ext uri="{FF2B5EF4-FFF2-40B4-BE49-F238E27FC236}">
+                <a16:creationId xmlns:a16="http://schemas.microsoft.com/office/drawing/2014/main" id="{D41353B7-8A30-0BCF-E635-E22EF298B52E}"/>
+              </a:ext>
+            </a:extLst>
+          </p:cNvPr>
+          <p:cNvSpPr>
+            <a:spLocks noGrp="1"/>
+          </p:cNvSpPr>
+          <p:nvPr>
+            <p:ph idx="1"/>
+          </p:nvPr>
+        </p:nvSpPr>
+        <p:spPr/>
+        <p:txBody>
+          <a:bodyPr>
+            <a:normAutofit lnSpcReduction="10000"/>
+          </a:bodyPr>
+          <a:lstStyle/>
+          <a:p>
+            <a:r>
+              <a:rPr lang="de-DE" dirty="0"/>
+              <a:t>Python </a:t>
+            </a:r>
+            <a:r>
+              <a:rPr lang="de-DE" dirty="0" err="1"/>
+              <a:t>back-up</a:t>
+            </a:r>
+            <a:r>
+              <a:rPr lang="de-DE" dirty="0"/>
+              <a:t> </a:t>
+            </a:r>
+            <a:r>
+              <a:rPr lang="de-DE" dirty="0" err="1"/>
+              <a:t>autograd</a:t>
+            </a:r>
+            <a:r>
+              <a:rPr lang="de-DE" dirty="0"/>
+              <a:t> </a:t>
+            </a:r>
+            <a:r>
+              <a:rPr lang="de-DE" dirty="0" err="1"/>
+              <a:t>engine</a:t>
+            </a:r>
+            <a:r>
+              <a:rPr lang="de-DE" dirty="0"/>
+              <a:t> </a:t>
+            </a:r>
+            <a:r>
+              <a:rPr lang="de-DE" dirty="0" err="1"/>
+              <a:t>is</a:t>
+            </a:r>
+            <a:r>
+              <a:rPr lang="de-DE" dirty="0"/>
+              <a:t> </a:t>
+            </a:r>
+            <a:r>
+              <a:rPr lang="de-DE" dirty="0" err="1"/>
+              <a:t>almost</a:t>
+            </a:r>
+            <a:r>
+              <a:rPr lang="de-DE" dirty="0"/>
+              <a:t> </a:t>
+            </a:r>
+            <a:r>
+              <a:rPr lang="de-DE" dirty="0" err="1"/>
+              <a:t>finished</a:t>
+            </a:r>
+            <a:endParaRPr lang="de-DE" dirty="0"/>
+          </a:p>
+          <a:p>
+            <a:pPr lvl="1"/>
+            <a:r>
+              <a:rPr lang="de-DE" dirty="0"/>
+              <a:t>Manage </a:t>
+            </a:r>
+            <a:r>
+              <a:rPr lang="de-DE" dirty="0" err="1"/>
+              <a:t>to</a:t>
+            </a:r>
+            <a:r>
+              <a:rPr lang="de-DE" dirty="0"/>
+              <a:t> </a:t>
+            </a:r>
+            <a:r>
+              <a:rPr lang="de-DE" dirty="0" err="1"/>
+              <a:t>communicate</a:t>
+            </a:r>
+            <a:r>
+              <a:rPr lang="de-DE" dirty="0"/>
+              <a:t> </a:t>
+            </a:r>
+            <a:r>
+              <a:rPr lang="de-DE" dirty="0" err="1"/>
+              <a:t>with</a:t>
+            </a:r>
+            <a:r>
+              <a:rPr lang="de-DE" dirty="0"/>
+              <a:t> </a:t>
+            </a:r>
+            <a:r>
+              <a:rPr lang="de-DE" dirty="0" err="1"/>
+              <a:t>python</a:t>
+            </a:r>
+            <a:r>
+              <a:rPr lang="de-DE" dirty="0"/>
+              <a:t> </a:t>
+            </a:r>
+            <a:r>
+              <a:rPr lang="de-DE" dirty="0" err="1"/>
+              <a:t>from</a:t>
+            </a:r>
+            <a:r>
+              <a:rPr lang="de-DE" dirty="0"/>
+              <a:t> </a:t>
+            </a:r>
+            <a:r>
+              <a:rPr lang="de-DE" dirty="0" err="1"/>
+              <a:t>matlab</a:t>
+            </a:r>
+            <a:endParaRPr lang="de-DE" dirty="0"/>
+          </a:p>
+          <a:p>
+            <a:pPr lvl="1"/>
+            <a:r>
+              <a:rPr lang="de-DE" dirty="0" err="1"/>
+              <a:t>Convert</a:t>
+            </a:r>
+            <a:r>
+              <a:rPr lang="de-DE" dirty="0"/>
+              <a:t> </a:t>
+            </a:r>
+            <a:r>
+              <a:rPr lang="de-DE" dirty="0" err="1"/>
+              <a:t>from</a:t>
+            </a:r>
+            <a:r>
+              <a:rPr lang="de-DE" dirty="0"/>
+              <a:t> </a:t>
+            </a:r>
+            <a:r>
+              <a:rPr lang="de-DE" dirty="0" err="1"/>
+              <a:t>matlab</a:t>
+            </a:r>
+            <a:r>
+              <a:rPr lang="de-DE" dirty="0"/>
+              <a:t> </a:t>
+            </a:r>
+            <a:r>
+              <a:rPr lang="de-DE" dirty="0" err="1"/>
+              <a:t>types</a:t>
+            </a:r>
+            <a:r>
+              <a:rPr lang="de-DE" dirty="0"/>
+              <a:t> </a:t>
+            </a:r>
+            <a:r>
+              <a:rPr lang="de-DE" dirty="0" err="1"/>
+              <a:t>to</a:t>
+            </a:r>
+            <a:r>
+              <a:rPr lang="de-DE" dirty="0"/>
+              <a:t> </a:t>
+            </a:r>
+            <a:r>
+              <a:rPr lang="de-DE" dirty="0" err="1"/>
+              <a:t>pytorch</a:t>
+            </a:r>
+            <a:r>
+              <a:rPr lang="de-DE" dirty="0"/>
+              <a:t> </a:t>
+            </a:r>
+            <a:r>
+              <a:rPr lang="de-DE" dirty="0" err="1"/>
+              <a:t>tensors</a:t>
+            </a:r>
+            <a:endParaRPr lang="de-DE" dirty="0"/>
+          </a:p>
+          <a:p>
+            <a:pPr lvl="1"/>
+            <a:r>
+              <a:rPr lang="de-DE" dirty="0"/>
+              <a:t>A0 </a:t>
+            </a:r>
+            <a:r>
+              <a:rPr lang="de-DE" dirty="0" err="1"/>
+              <a:t>is</a:t>
+            </a:r>
+            <a:r>
+              <a:rPr lang="de-DE" dirty="0"/>
+              <a:t> </a:t>
+            </a:r>
+            <a:r>
+              <a:rPr lang="de-DE" dirty="0" err="1"/>
+              <a:t>running</a:t>
+            </a:r>
+            <a:r>
+              <a:rPr lang="de-DE" dirty="0"/>
+              <a:t>, but a </a:t>
+            </a:r>
+            <a:r>
+              <a:rPr lang="de-DE" dirty="0" err="1"/>
+              <a:t>small</a:t>
+            </a:r>
+            <a:r>
+              <a:rPr lang="de-DE" dirty="0"/>
+              <a:t> </a:t>
+            </a:r>
+            <a:r>
+              <a:rPr lang="de-DE" dirty="0" err="1"/>
+              <a:t>difference</a:t>
+            </a:r>
+            <a:r>
+              <a:rPr lang="de-DE" dirty="0"/>
+              <a:t> in </a:t>
+            </a:r>
+            <a:r>
+              <a:rPr lang="de-DE" dirty="0" err="1"/>
+              <a:t>the</a:t>
+            </a:r>
+            <a:r>
+              <a:rPr lang="de-DE" dirty="0"/>
+              <a:t> </a:t>
+            </a:r>
+            <a:r>
+              <a:rPr lang="de-DE" dirty="0" err="1"/>
+              <a:t>error</a:t>
+            </a:r>
+            <a:r>
+              <a:rPr lang="de-DE" dirty="0"/>
+              <a:t> </a:t>
+            </a:r>
+            <a:r>
+              <a:rPr lang="de-DE" dirty="0" err="1"/>
+              <a:t>calculation</a:t>
+            </a:r>
+            <a:r>
+              <a:rPr lang="de-DE" dirty="0"/>
+              <a:t>. Will </a:t>
+            </a:r>
+            <a:r>
+              <a:rPr lang="de-DE" dirty="0" err="1"/>
+              <a:t>correct</a:t>
+            </a:r>
+            <a:r>
+              <a:rPr lang="de-DE" dirty="0"/>
+              <a:t> </a:t>
+            </a:r>
+            <a:r>
+              <a:rPr lang="de-DE" dirty="0" err="1"/>
+              <a:t>that</a:t>
+            </a:r>
+            <a:endParaRPr lang="de-DE" dirty="0"/>
+          </a:p>
+          <a:p>
+            <a:pPr lvl="1"/>
+            <a:r>
+              <a:rPr lang="de-DE" dirty="0"/>
+              <a:t>Also </a:t>
+            </a:r>
+            <a:r>
+              <a:rPr lang="de-DE" dirty="0" err="1"/>
+              <a:t>shaping</a:t>
+            </a:r>
+            <a:r>
+              <a:rPr lang="de-DE" dirty="0"/>
+              <a:t> </a:t>
+            </a:r>
+            <a:r>
+              <a:rPr lang="de-DE" dirty="0" err="1"/>
+              <a:t>for</a:t>
+            </a:r>
+            <a:r>
+              <a:rPr lang="de-DE" dirty="0"/>
+              <a:t> </a:t>
+            </a:r>
+            <a:r>
+              <a:rPr lang="de-DE" dirty="0" err="1"/>
+              <a:t>orientation</a:t>
+            </a:r>
+            <a:r>
+              <a:rPr lang="de-DE" dirty="0"/>
+              <a:t> and </a:t>
+            </a:r>
+            <a:r>
+              <a:rPr lang="de-DE" dirty="0" err="1"/>
+              <a:t>anisotropic</a:t>
+            </a:r>
+            <a:r>
+              <a:rPr lang="de-DE" dirty="0"/>
+              <a:t> </a:t>
+            </a:r>
+            <a:r>
+              <a:rPr lang="de-DE" dirty="0" err="1"/>
+              <a:t>coefficents</a:t>
+            </a:r>
+            <a:endParaRPr lang="de-DE" dirty="0"/>
+          </a:p>
+          <a:p>
+            <a:pPr lvl="1"/>
+            <a:r>
+              <a:rPr lang="de-DE" dirty="0" err="1"/>
+              <a:t>Finally</a:t>
+            </a:r>
+            <a:r>
+              <a:rPr lang="de-DE" dirty="0"/>
+              <a:t>, easy </a:t>
+            </a:r>
+            <a:r>
+              <a:rPr lang="de-DE" dirty="0" err="1"/>
+              <a:t>to</a:t>
+            </a:r>
+            <a:r>
+              <a:rPr lang="de-DE" dirty="0"/>
+              <a:t> </a:t>
+            </a:r>
+            <a:r>
+              <a:rPr lang="de-DE" dirty="0" err="1"/>
+              <a:t>batchify</a:t>
+            </a:r>
+            <a:r>
+              <a:rPr lang="de-DE" dirty="0"/>
+              <a:t>, </a:t>
+            </a:r>
+            <a:r>
+              <a:rPr lang="de-DE" dirty="0" err="1"/>
+              <a:t>meaning</a:t>
+            </a:r>
+            <a:r>
+              <a:rPr lang="de-DE" dirty="0"/>
+              <a:t> </a:t>
+            </a:r>
+            <a:r>
+              <a:rPr lang="de-DE" dirty="0" err="1"/>
+              <a:t>running</a:t>
+            </a:r>
+            <a:r>
+              <a:rPr lang="de-DE" dirty="0"/>
+              <a:t> all </a:t>
+            </a:r>
+            <a:r>
+              <a:rPr lang="de-DE" dirty="0" err="1"/>
+              <a:t>projections</a:t>
+            </a:r>
+            <a:r>
+              <a:rPr lang="de-DE" dirty="0"/>
+              <a:t> at </a:t>
+            </a:r>
+            <a:r>
+              <a:rPr lang="de-DE" dirty="0" err="1"/>
+              <a:t>once</a:t>
+            </a:r>
+            <a:endParaRPr lang="de-DE" dirty="0"/>
+          </a:p>
+          <a:p>
+            <a:pPr lvl="2"/>
+            <a:r>
+              <a:rPr lang="de-DE" dirty="0" err="1"/>
+              <a:t>Parloop</a:t>
+            </a:r>
+            <a:r>
+              <a:rPr lang="de-DE" dirty="0"/>
+              <a:t> </a:t>
+            </a:r>
+            <a:r>
+              <a:rPr lang="de-DE" dirty="0" err="1"/>
+              <a:t>from</a:t>
+            </a:r>
+            <a:r>
+              <a:rPr lang="de-DE" dirty="0"/>
+              <a:t> </a:t>
+            </a:r>
+            <a:r>
+              <a:rPr lang="de-DE" dirty="0" err="1"/>
+              <a:t>matlab</a:t>
+            </a:r>
+            <a:r>
+              <a:rPr lang="de-DE" dirty="0"/>
+              <a:t> </a:t>
+            </a:r>
+            <a:r>
+              <a:rPr lang="de-DE" dirty="0" err="1"/>
+              <a:t>does</a:t>
+            </a:r>
+            <a:r>
+              <a:rPr lang="de-DE" dirty="0"/>
+              <a:t> not </a:t>
+            </a:r>
+            <a:r>
+              <a:rPr lang="de-DE" dirty="0" err="1"/>
+              <a:t>work</a:t>
+            </a:r>
+            <a:r>
+              <a:rPr lang="de-DE" dirty="0"/>
+              <a:t> </a:t>
+            </a:r>
+            <a:r>
+              <a:rPr lang="de-DE" dirty="0" err="1"/>
+              <a:t>when</a:t>
+            </a:r>
+            <a:r>
+              <a:rPr lang="de-DE" dirty="0"/>
+              <a:t> </a:t>
+            </a:r>
+            <a:r>
+              <a:rPr lang="de-DE" dirty="0" err="1"/>
+              <a:t>running</a:t>
+            </a:r>
+            <a:r>
+              <a:rPr lang="de-DE" dirty="0"/>
+              <a:t> </a:t>
+            </a:r>
+            <a:r>
+              <a:rPr lang="de-DE" dirty="0" err="1"/>
+              <a:t>python</a:t>
+            </a:r>
+            <a:endParaRPr lang="de-DE" dirty="0"/>
+          </a:p>
+          <a:p>
+            <a:pPr lvl="2"/>
+            <a:r>
+              <a:rPr lang="de-DE" dirty="0"/>
+              <a:t>Will </a:t>
+            </a:r>
+            <a:r>
+              <a:rPr lang="de-DE" dirty="0" err="1"/>
+              <a:t>nevertheless</a:t>
+            </a:r>
+            <a:r>
+              <a:rPr lang="de-DE" dirty="0"/>
+              <a:t> </a:t>
+            </a:r>
+            <a:r>
+              <a:rPr lang="de-DE" dirty="0" err="1"/>
+              <a:t>be</a:t>
+            </a:r>
+            <a:r>
+              <a:rPr lang="de-DE" dirty="0"/>
+              <a:t> </a:t>
+            </a:r>
+            <a:r>
+              <a:rPr lang="de-DE" dirty="0" err="1"/>
+              <a:t>faster</a:t>
+            </a:r>
+            <a:endParaRPr lang="de-DE" dirty="0"/>
+          </a:p>
+          <a:p>
+            <a:r>
+              <a:rPr lang="de-DE" dirty="0" err="1"/>
+              <a:t>Optimisation</a:t>
+            </a:r>
+            <a:r>
+              <a:rPr lang="de-DE" dirty="0"/>
+              <a:t> </a:t>
+            </a:r>
+            <a:r>
+              <a:rPr lang="de-DE" dirty="0" err="1"/>
+              <a:t>further</a:t>
+            </a:r>
+            <a:endParaRPr lang="de-DE" dirty="0"/>
+          </a:p>
+          <a:p>
+            <a:pPr lvl="1"/>
+            <a:r>
+              <a:rPr lang="de-DE" dirty="0"/>
+              <a:t>Memory </a:t>
+            </a:r>
+            <a:r>
+              <a:rPr lang="de-DE" dirty="0" err="1"/>
+              <a:t>management</a:t>
+            </a:r>
+            <a:r>
+              <a:rPr lang="de-DE" dirty="0"/>
+              <a:t> MATLAB</a:t>
+            </a:r>
+          </a:p>
+          <a:p>
+            <a:pPr lvl="1"/>
+            <a:r>
+              <a:rPr lang="de-DE" dirty="0"/>
+              <a:t>Batch </a:t>
+            </a:r>
+            <a:r>
+              <a:rPr lang="de-DE" dirty="0" err="1"/>
+              <a:t>creation</a:t>
+            </a:r>
+            <a:r>
+              <a:rPr lang="de-DE" dirty="0"/>
+              <a:t> Python</a:t>
+            </a:r>
+          </a:p>
+          <a:p>
+            <a:endParaRPr lang="de-DE" dirty="0"/>
+          </a:p>
+        </p:txBody>
+      </p:sp>
+    </p:spTree>
+    <p:extLst>
+      <p:ext uri="{BB962C8B-B14F-4D97-AF65-F5344CB8AC3E}">
+        <p14:creationId xmlns:p14="http://schemas.microsoft.com/office/powerpoint/2010/main" val="2047289902"/>
+      </p:ext>
+    </p:extLst>
+  </p:cSld>
+  <p:clrMapOvr>
+    <a:masterClrMapping/>
+  </p:clrMapOvr>
+</p:sld>
+</file>
+
+<file path=ppt/slides/slide21.xml><?xml version="1.0" encoding="utf-8"?>
+<p:sld xmlns:a="http://schemas.openxmlformats.org/drawingml/2006/main" xmlns:r="http://schemas.openxmlformats.org/officeDocument/2006/relationships" xmlns:p="http://schemas.openxmlformats.org/presentationml/2006/main">
+  <p:cSld>
+    <p:spTree>
+      <p:nvGrpSpPr>
+        <p:cNvPr id="1" name=""/>
+        <p:cNvGrpSpPr/>
+        <p:nvPr/>
+      </p:nvGrpSpPr>
+      <p:grpSpPr>
+        <a:xfrm>
+          <a:off x="0" y="0"/>
+          <a:ext cx="0" cy="0"/>
+          <a:chOff x="0" y="0"/>
+          <a:chExt cx="0" cy="0"/>
+        </a:xfrm>
+      </p:grpSpPr>
+      <p:sp>
+        <p:nvSpPr>
+          <p:cNvPr id="2" name="Tittel 1">
+            <a:extLst>
+              <a:ext uri="{FF2B5EF4-FFF2-40B4-BE49-F238E27FC236}">
+                <a16:creationId xmlns:a16="http://schemas.microsoft.com/office/drawing/2014/main" id="{AA5746FE-F4BB-DFA2-4493-B2CBA09655C6}"/>
+              </a:ext>
+            </a:extLst>
+          </p:cNvPr>
+          <p:cNvSpPr>
+            <a:spLocks noGrp="1"/>
+          </p:cNvSpPr>
+          <p:nvPr>
+            <p:ph type="title"/>
+          </p:nvPr>
+        </p:nvSpPr>
+        <p:spPr/>
+        <p:txBody>
+          <a:bodyPr/>
+          <a:lstStyle/>
+          <a:p>
+            <a:r>
+              <a:rPr lang="de-DE" dirty="0"/>
+              <a:t>Error and </a:t>
+            </a:r>
+            <a:r>
+              <a:rPr lang="de-DE" dirty="0" err="1"/>
+              <a:t>timings</a:t>
+            </a:r>
+            <a:endParaRPr lang="de-DE" dirty="0"/>
+          </a:p>
+        </p:txBody>
+      </p:sp>
+      <p:sp>
+        <p:nvSpPr>
+          <p:cNvPr id="3" name="Plassholder for innhold 2">
+            <a:extLst>
+              <a:ext uri="{FF2B5EF4-FFF2-40B4-BE49-F238E27FC236}">
+                <a16:creationId xmlns:a16="http://schemas.microsoft.com/office/drawing/2014/main" id="{837B58FA-214F-FD42-2B0D-B8FBC9F356A3}"/>
+              </a:ext>
+            </a:extLst>
+          </p:cNvPr>
+          <p:cNvSpPr>
+            <a:spLocks noGrp="1"/>
+          </p:cNvSpPr>
+          <p:nvPr>
+            <p:ph idx="1"/>
+          </p:nvPr>
+        </p:nvSpPr>
+        <p:spPr/>
+        <p:txBody>
+          <a:bodyPr>
+            <a:normAutofit fontScale="92500" lnSpcReduction="20000"/>
+          </a:bodyPr>
+          <a:lstStyle/>
+          <a:p>
+            <a:r>
+              <a:rPr lang="en-US" dirty="0"/>
+              <a:t>Symbolic no par: 512 in 90 seconds</a:t>
+            </a:r>
+          </a:p>
+          <a:p>
+            <a:r>
+              <a:rPr lang="en-US" dirty="0"/>
+              <a:t>Symbolic par: 512 in 106 seconds (Weird)</a:t>
+            </a:r>
+          </a:p>
+          <a:p>
+            <a:r>
+              <a:rPr lang="en-US" dirty="0"/>
+              <a:t>AD par:  571 in 446 seconds</a:t>
+            </a:r>
+          </a:p>
+          <a:p>
+            <a:r>
+              <a:rPr lang="en-US" dirty="0"/>
+              <a:t>AD GPU: Too slow</a:t>
+            </a:r>
+          </a:p>
+          <a:p>
+            <a:r>
+              <a:rPr lang="en-US" dirty="0" err="1"/>
+              <a:t>Sym</a:t>
+            </a:r>
+            <a:r>
+              <a:rPr lang="en-US" dirty="0"/>
+              <a:t> a0, AD orientation etc. : 500 in 869 seconds</a:t>
+            </a:r>
+          </a:p>
+          <a:p>
+            <a:endParaRPr lang="en-US" dirty="0"/>
+          </a:p>
+          <a:p>
+            <a:r>
+              <a:rPr lang="en-US" dirty="0"/>
+              <a:t>Symbolic par no mask: 491 in 64 seconds</a:t>
+            </a:r>
+          </a:p>
+          <a:p>
+            <a:r>
+              <a:rPr lang="en-US" dirty="0"/>
+              <a:t>AD par no mask: 475 in 880 seconds</a:t>
+            </a:r>
+          </a:p>
+          <a:p>
+            <a:endParaRPr lang="en-US" dirty="0"/>
+          </a:p>
+          <a:p>
+            <a:r>
+              <a:rPr lang="en-US" dirty="0"/>
+              <a:t>Big sample symbolic par no mask: 112 in 1226 seconds. </a:t>
+            </a:r>
+            <a:endParaRPr lang="de-DE" dirty="0"/>
+          </a:p>
+        </p:txBody>
+      </p:sp>
+    </p:spTree>
+    <p:extLst>
+      <p:ext uri="{BB962C8B-B14F-4D97-AF65-F5344CB8AC3E}">
+        <p14:creationId xmlns:p14="http://schemas.microsoft.com/office/powerpoint/2010/main" val="3935418055"/>
+      </p:ext>
+    </p:extLst>
+  </p:cSld>
+  <p:clrMapOvr>
+    <a:masterClrMapping/>
+  </p:clrMapOvr>
+</p:sld>
+</file>
+
+<file path=ppt/slides/slide22.xml><?xml version="1.0" encoding="utf-8"?>
+<p:sld xmlns:a="http://schemas.openxmlformats.org/drawingml/2006/main" xmlns:r="http://schemas.openxmlformats.org/officeDocument/2006/relationships" xmlns:p="http://schemas.openxmlformats.org/presentationml/2006/main">
+  <p:cSld>
+    <p:spTree>
+      <p:nvGrpSpPr>
+        <p:cNvPr id="1" name=""/>
+        <p:cNvGrpSpPr/>
+        <p:nvPr/>
+      </p:nvGrpSpPr>
+      <p:grpSpPr>
+        <a:xfrm>
+          <a:off x="0" y="0"/>
+          <a:ext cx="0" cy="0"/>
+          <a:chOff x="0" y="0"/>
+          <a:chExt cx="0" cy="0"/>
+        </a:xfrm>
+      </p:grpSpPr>
+      <p:sp>
+        <p:nvSpPr>
+          <p:cNvPr id="2" name="Tittel 1">
+            <a:extLst>
+              <a:ext uri="{FF2B5EF4-FFF2-40B4-BE49-F238E27FC236}">
+                <a16:creationId xmlns:a16="http://schemas.microsoft.com/office/drawing/2014/main" id="{4794F613-8C2A-429C-5A16-BEB49477505D}"/>
+              </a:ext>
+            </a:extLst>
+          </p:cNvPr>
+          <p:cNvSpPr>
+            <a:spLocks noGrp="1"/>
+          </p:cNvSpPr>
+          <p:nvPr>
+            <p:ph type="title"/>
+          </p:nvPr>
+        </p:nvSpPr>
+        <p:spPr/>
+        <p:txBody>
+          <a:bodyPr/>
+          <a:lstStyle/>
+          <a:p>
+            <a:r>
+              <a:rPr lang="de-DE" dirty="0"/>
+              <a:t>Next</a:t>
+            </a:r>
+          </a:p>
+        </p:txBody>
+      </p:sp>
+      <p:sp>
+        <p:nvSpPr>
+          <p:cNvPr id="3" name="Plassholder for innhold 2">
+            <a:extLst>
+              <a:ext uri="{FF2B5EF4-FFF2-40B4-BE49-F238E27FC236}">
+                <a16:creationId xmlns:a16="http://schemas.microsoft.com/office/drawing/2014/main" id="{23564023-6A41-302C-8CB9-22DC8CEE8B6B}"/>
+              </a:ext>
+            </a:extLst>
+          </p:cNvPr>
+          <p:cNvSpPr>
+            <a:spLocks noGrp="1"/>
+          </p:cNvSpPr>
+          <p:nvPr>
+            <p:ph idx="1"/>
+          </p:nvPr>
+        </p:nvSpPr>
+        <p:spPr/>
+        <p:txBody>
+          <a:bodyPr/>
+          <a:lstStyle/>
+          <a:p>
+            <a:r>
+              <a:rPr lang="de-DE" dirty="0" err="1"/>
+              <a:t>Compare</a:t>
+            </a:r>
+            <a:r>
+              <a:rPr lang="de-DE" dirty="0"/>
+              <a:t> </a:t>
+            </a:r>
+            <a:r>
+              <a:rPr lang="de-DE" dirty="0" err="1"/>
+              <a:t>results</a:t>
+            </a:r>
+            <a:endParaRPr lang="de-DE" dirty="0"/>
+          </a:p>
+          <a:p>
+            <a:r>
+              <a:rPr lang="de-DE" dirty="0"/>
+              <a:t>Check </a:t>
+            </a:r>
+            <a:r>
+              <a:rPr lang="de-DE" dirty="0" err="1"/>
+              <a:t>symbolic</a:t>
+            </a:r>
+            <a:r>
+              <a:rPr lang="de-DE" dirty="0"/>
+              <a:t> </a:t>
+            </a:r>
+            <a:r>
+              <a:rPr lang="de-DE" dirty="0" err="1"/>
+              <a:t>gradients</a:t>
+            </a:r>
+            <a:r>
+              <a:rPr lang="de-DE" dirty="0"/>
+              <a:t> </a:t>
+            </a:r>
+            <a:r>
+              <a:rPr lang="de-DE" dirty="0" err="1"/>
+              <a:t>filter</a:t>
+            </a:r>
+            <a:endParaRPr lang="de-DE" dirty="0"/>
+          </a:p>
+          <a:p>
+            <a:r>
+              <a:rPr lang="de-DE" dirty="0"/>
+              <a:t>Write </a:t>
+            </a:r>
+            <a:r>
+              <a:rPr lang="de-DE" dirty="0" err="1"/>
+              <a:t>thesis</a:t>
+            </a:r>
+            <a:endParaRPr lang="de-DE" dirty="0"/>
+          </a:p>
+          <a:p>
+            <a:r>
+              <a:rPr lang="de-DE" dirty="0" err="1"/>
+              <a:t>Compare</a:t>
+            </a:r>
+            <a:r>
+              <a:rPr lang="de-DE" dirty="0"/>
+              <a:t> </a:t>
+            </a:r>
+            <a:r>
+              <a:rPr lang="de-DE" dirty="0" err="1"/>
+              <a:t>symbolic</a:t>
+            </a:r>
+            <a:r>
+              <a:rPr lang="de-DE" dirty="0"/>
+              <a:t> </a:t>
+            </a:r>
+            <a:r>
+              <a:rPr lang="de-DE" dirty="0" err="1"/>
+              <a:t>results</a:t>
+            </a:r>
+            <a:r>
+              <a:rPr lang="de-DE" dirty="0"/>
+              <a:t> </a:t>
+            </a:r>
+            <a:r>
+              <a:rPr lang="de-DE" dirty="0" err="1"/>
+              <a:t>with</a:t>
+            </a:r>
+            <a:r>
+              <a:rPr lang="de-DE" dirty="0"/>
+              <a:t> </a:t>
+            </a:r>
+            <a:r>
+              <a:rPr lang="de-DE" dirty="0" err="1"/>
+              <a:t>or</a:t>
+            </a:r>
+            <a:r>
+              <a:rPr lang="de-DE" dirty="0"/>
+              <a:t> </a:t>
+            </a:r>
+            <a:r>
+              <a:rPr lang="de-DE" dirty="0" err="1"/>
+              <a:t>without</a:t>
+            </a:r>
+            <a:r>
+              <a:rPr lang="de-DE" dirty="0"/>
+              <a:t> </a:t>
+            </a:r>
+            <a:r>
+              <a:rPr lang="de-DE" dirty="0" err="1"/>
+              <a:t>filter</a:t>
+            </a:r>
+            <a:r>
+              <a:rPr lang="de-DE" dirty="0"/>
+              <a:t>. </a:t>
+            </a:r>
+          </a:p>
+          <a:p>
+            <a:r>
+              <a:rPr lang="de-DE" dirty="0"/>
+              <a:t>Include a0 </a:t>
+            </a:r>
+            <a:r>
+              <a:rPr lang="de-DE" dirty="0" err="1"/>
+              <a:t>derivation</a:t>
+            </a:r>
+            <a:r>
+              <a:rPr lang="de-DE" dirty="0"/>
+              <a:t> PSI-</a:t>
+            </a:r>
+            <a:r>
+              <a:rPr lang="de-DE" dirty="0" err="1"/>
+              <a:t>chapter</a:t>
+            </a:r>
+            <a:r>
+              <a:rPr lang="de-DE" dirty="0"/>
+              <a:t> (Appendix)</a:t>
+            </a:r>
+          </a:p>
+        </p:txBody>
+      </p:sp>
+    </p:spTree>
+    <p:extLst>
+      <p:ext uri="{BB962C8B-B14F-4D97-AF65-F5344CB8AC3E}">
+        <p14:creationId xmlns:p14="http://schemas.microsoft.com/office/powerpoint/2010/main" val="94502173"/>
+      </p:ext>
+    </p:extLst>
+  </p:cSld>
+  <p:clrMapOvr>
+    <a:masterClrMapping/>
+  </p:clrMapOvr>
+</p:sld>
+</file>
+
+<file path=ppt/slides/slide23.xml><?xml version="1.0" encoding="utf-8"?>
+<p:sld xmlns:a="http://schemas.openxmlformats.org/drawingml/2006/main" xmlns:r="http://schemas.openxmlformats.org/officeDocument/2006/relationships" xmlns:p="http://schemas.openxmlformats.org/presentationml/2006/main">
+  <p:cSld>
+    <p:spTree>
+      <p:nvGrpSpPr>
+        <p:cNvPr id="1" name=""/>
+        <p:cNvGrpSpPr/>
+        <p:nvPr/>
+      </p:nvGrpSpPr>
+      <p:grpSpPr>
+        <a:xfrm>
+          <a:off x="0" y="0"/>
+          <a:ext cx="0" cy="0"/>
+          <a:chOff x="0" y="0"/>
+          <a:chExt cx="0" cy="0"/>
+        </a:xfrm>
+      </p:grpSpPr>
+      <p:sp>
+        <p:nvSpPr>
+          <p:cNvPr id="2" name="Tittel 1">
+            <a:extLst>
+              <a:ext uri="{FF2B5EF4-FFF2-40B4-BE49-F238E27FC236}">
+                <a16:creationId xmlns:a16="http://schemas.microsoft.com/office/drawing/2014/main" id="{A8965BC0-58B7-0BFB-BA0B-122196975E52}"/>
+              </a:ext>
+            </a:extLst>
+          </p:cNvPr>
+          <p:cNvSpPr>
+            <a:spLocks noGrp="1"/>
+          </p:cNvSpPr>
+          <p:nvPr>
+            <p:ph type="title"/>
+          </p:nvPr>
+        </p:nvSpPr>
+        <p:spPr/>
+        <p:txBody>
+          <a:bodyPr/>
+          <a:lstStyle/>
+          <a:p>
+            <a:r>
+              <a:rPr lang="de-DE" dirty="0"/>
+              <a:t>Filter </a:t>
+            </a:r>
+            <a:r>
+              <a:rPr lang="de-DE" dirty="0" err="1"/>
+              <a:t>test</a:t>
+            </a:r>
+            <a:endParaRPr lang="de-DE" dirty="0"/>
+          </a:p>
+        </p:txBody>
+      </p:sp>
+      <p:sp>
+        <p:nvSpPr>
+          <p:cNvPr id="3" name="Plassholder for innhold 2">
+            <a:extLst>
+              <a:ext uri="{FF2B5EF4-FFF2-40B4-BE49-F238E27FC236}">
+                <a16:creationId xmlns:a16="http://schemas.microsoft.com/office/drawing/2014/main" id="{729D094C-32B6-6778-1C1E-43CF86ED4A36}"/>
+              </a:ext>
+            </a:extLst>
+          </p:cNvPr>
+          <p:cNvSpPr>
+            <a:spLocks noGrp="1"/>
+          </p:cNvSpPr>
+          <p:nvPr>
+            <p:ph idx="1"/>
+          </p:nvPr>
+        </p:nvSpPr>
+        <p:spPr/>
+        <p:txBody>
+          <a:bodyPr/>
+          <a:lstStyle/>
+          <a:p>
+            <a:r>
+              <a:rPr lang="de-DE" dirty="0" err="1"/>
+              <a:t>Symbolic</a:t>
+            </a:r>
+            <a:r>
+              <a:rPr lang="de-DE" dirty="0"/>
+              <a:t> </a:t>
+            </a:r>
+            <a:r>
+              <a:rPr lang="de-DE" dirty="0" err="1"/>
+              <a:t>no</a:t>
+            </a:r>
+            <a:r>
+              <a:rPr lang="de-DE" dirty="0"/>
+              <a:t> </a:t>
+            </a:r>
+            <a:r>
+              <a:rPr lang="de-DE" dirty="0" err="1"/>
+              <a:t>filter</a:t>
+            </a:r>
+            <a:r>
+              <a:rPr lang="de-DE" dirty="0"/>
+              <a:t>: 627 in 14 </a:t>
+            </a:r>
+            <a:r>
+              <a:rPr lang="de-DE" dirty="0" err="1"/>
+              <a:t>seconds</a:t>
+            </a:r>
+            <a:r>
+              <a:rPr lang="de-DE" dirty="0"/>
+              <a:t>. The </a:t>
+            </a:r>
+            <a:r>
+              <a:rPr lang="de-DE" dirty="0" err="1"/>
+              <a:t>error</a:t>
+            </a:r>
+            <a:r>
+              <a:rPr lang="de-DE" dirty="0"/>
+              <a:t> </a:t>
+            </a:r>
+            <a:r>
+              <a:rPr lang="de-DE" dirty="0" err="1"/>
+              <a:t>refuses</a:t>
+            </a:r>
+            <a:r>
+              <a:rPr lang="de-DE" dirty="0"/>
+              <a:t> </a:t>
+            </a:r>
+            <a:r>
+              <a:rPr lang="de-DE" dirty="0" err="1"/>
+              <a:t>to</a:t>
+            </a:r>
+            <a:r>
+              <a:rPr lang="de-DE" dirty="0"/>
+              <a:t> </a:t>
+            </a:r>
+            <a:r>
+              <a:rPr lang="de-DE" dirty="0" err="1"/>
+              <a:t>go</a:t>
+            </a:r>
+            <a:r>
+              <a:rPr lang="de-DE" dirty="0"/>
+              <a:t> </a:t>
+            </a:r>
+            <a:r>
+              <a:rPr lang="de-DE" dirty="0" err="1"/>
+              <a:t>downwards</a:t>
+            </a:r>
+            <a:endParaRPr lang="de-DE" dirty="0"/>
+          </a:p>
+          <a:p>
+            <a:r>
+              <a:rPr lang="de-DE" dirty="0" err="1"/>
+              <a:t>Make</a:t>
+            </a:r>
+            <a:r>
+              <a:rPr lang="de-DE" dirty="0"/>
+              <a:t> a </a:t>
+            </a:r>
+            <a:r>
+              <a:rPr lang="de-DE" dirty="0" err="1"/>
+              <a:t>smaller</a:t>
+            </a:r>
+            <a:r>
+              <a:rPr lang="de-DE" dirty="0"/>
+              <a:t> sample </a:t>
+            </a:r>
+            <a:r>
+              <a:rPr lang="de-DE" dirty="0" err="1"/>
+              <a:t>properly</a:t>
+            </a:r>
+            <a:r>
+              <a:rPr lang="de-DE" dirty="0"/>
+              <a:t>. </a:t>
+            </a:r>
+            <a:r>
+              <a:rPr lang="de-DE" dirty="0" err="1"/>
+              <a:t>Define</a:t>
+            </a:r>
+            <a:r>
+              <a:rPr lang="de-DE" dirty="0"/>
+              <a:t> </a:t>
+            </a:r>
+            <a:r>
+              <a:rPr lang="de-DE" dirty="0" err="1"/>
+              <a:t>the</a:t>
+            </a:r>
+            <a:r>
+              <a:rPr lang="de-DE" dirty="0"/>
+              <a:t> 3D </a:t>
+            </a:r>
+            <a:r>
+              <a:rPr lang="de-DE" dirty="0" err="1"/>
+              <a:t>structure</a:t>
+            </a:r>
+            <a:r>
+              <a:rPr lang="de-DE" dirty="0"/>
+              <a:t>, and do </a:t>
+            </a:r>
+            <a:r>
+              <a:rPr lang="de-DE" dirty="0" err="1"/>
+              <a:t>forward</a:t>
+            </a:r>
+            <a:r>
+              <a:rPr lang="de-DE" dirty="0"/>
+              <a:t> pass. Save </a:t>
+            </a:r>
+            <a:r>
+              <a:rPr lang="de-DE" dirty="0" err="1"/>
+              <a:t>as</a:t>
+            </a:r>
+            <a:r>
+              <a:rPr lang="de-DE" dirty="0"/>
+              <a:t> </a:t>
+            </a:r>
+            <a:r>
+              <a:rPr lang="de-DE" dirty="0" err="1"/>
+              <a:t>projection</a:t>
+            </a:r>
+            <a:r>
+              <a:rPr lang="de-DE" dirty="0"/>
+              <a:t> </a:t>
+            </a:r>
+            <a:r>
+              <a:rPr lang="de-DE" dirty="0" err="1"/>
+              <a:t>data</a:t>
+            </a:r>
+            <a:r>
+              <a:rPr lang="de-DE" dirty="0"/>
+              <a:t>. </a:t>
+            </a:r>
+          </a:p>
+          <a:p>
+            <a:r>
+              <a:rPr lang="de-DE" dirty="0"/>
+              <a:t>Check </a:t>
+            </a:r>
+            <a:r>
+              <a:rPr lang="de-DE" dirty="0" err="1"/>
+              <a:t>gradient</a:t>
+            </a:r>
+            <a:r>
+              <a:rPr lang="de-DE" dirty="0"/>
+              <a:t> </a:t>
+            </a:r>
+            <a:r>
+              <a:rPr lang="de-DE" dirty="0" err="1"/>
+              <a:t>of</a:t>
+            </a:r>
+            <a:r>
+              <a:rPr lang="de-DE" dirty="0"/>
+              <a:t> </a:t>
+            </a:r>
+            <a:r>
+              <a:rPr lang="de-DE" dirty="0" err="1"/>
+              <a:t>exp</a:t>
+            </a:r>
+            <a:r>
+              <a:rPr lang="de-DE" dirty="0"/>
+              <a:t>(sin)-expression </a:t>
+            </a:r>
+            <a:r>
+              <a:rPr lang="de-DE" dirty="0" err="1"/>
+              <a:t>automatically</a:t>
+            </a:r>
+            <a:endParaRPr lang="de-DE" dirty="0"/>
+          </a:p>
+          <a:p>
+            <a:r>
+              <a:rPr lang="de-DE" dirty="0" err="1"/>
+              <a:t>Make</a:t>
+            </a:r>
+            <a:r>
+              <a:rPr lang="de-DE" dirty="0"/>
+              <a:t> </a:t>
+            </a:r>
+            <a:r>
+              <a:rPr lang="de-DE" dirty="0" err="1"/>
+              <a:t>projection</a:t>
+            </a:r>
+            <a:r>
+              <a:rPr lang="de-DE" dirty="0"/>
+              <a:t> </a:t>
+            </a:r>
+            <a:r>
+              <a:rPr lang="de-DE" dirty="0" err="1"/>
+              <a:t>data</a:t>
+            </a:r>
+            <a:r>
+              <a:rPr lang="de-DE" dirty="0"/>
+              <a:t>: dx, </a:t>
+            </a:r>
+            <a:r>
+              <a:rPr lang="de-DE" dirty="0" err="1"/>
+              <a:t>dy</a:t>
+            </a:r>
+            <a:r>
+              <a:rPr lang="de-DE" dirty="0"/>
+              <a:t> 0. </a:t>
+            </a:r>
+            <a:r>
+              <a:rPr lang="de-DE" dirty="0" err="1"/>
+              <a:t>Choose</a:t>
+            </a:r>
+            <a:r>
+              <a:rPr lang="de-DE" dirty="0"/>
+              <a:t> </a:t>
+            </a:r>
+            <a:r>
+              <a:rPr lang="de-DE" dirty="0" err="1"/>
+              <a:t>orientation</a:t>
+            </a:r>
+            <a:r>
+              <a:rPr lang="de-DE" dirty="0"/>
+              <a:t>, </a:t>
+            </a:r>
+            <a:r>
+              <a:rPr lang="de-DE" dirty="0" err="1"/>
+              <a:t>calculate</a:t>
+            </a:r>
+            <a:r>
+              <a:rPr lang="de-DE" dirty="0"/>
+              <a:t> rot </a:t>
+            </a:r>
+            <a:r>
+              <a:rPr lang="de-DE" dirty="0" err="1"/>
+              <a:t>matrix</a:t>
+            </a:r>
+            <a:r>
+              <a:rPr lang="de-DE" dirty="0"/>
+              <a:t>. Do </a:t>
+            </a:r>
+            <a:r>
+              <a:rPr lang="de-DE" dirty="0" err="1"/>
+              <a:t>forward</a:t>
+            </a:r>
+            <a:r>
+              <a:rPr lang="de-DE" dirty="0"/>
+              <a:t> </a:t>
+            </a:r>
+            <a:r>
+              <a:rPr lang="de-DE" dirty="0" err="1"/>
+              <a:t>projection</a:t>
+            </a:r>
+            <a:r>
+              <a:rPr lang="de-DE" dirty="0"/>
+              <a:t> </a:t>
+            </a:r>
+            <a:r>
+              <a:rPr lang="de-DE" dirty="0" err="1"/>
+              <a:t>for</a:t>
+            </a:r>
+            <a:r>
+              <a:rPr lang="de-DE" dirty="0"/>
+              <a:t> </a:t>
+            </a:r>
+            <a:r>
+              <a:rPr lang="de-DE" dirty="0" err="1"/>
+              <a:t>analytical</a:t>
+            </a:r>
+            <a:r>
+              <a:rPr lang="de-DE" dirty="0"/>
+              <a:t> 3D </a:t>
+            </a:r>
+            <a:r>
+              <a:rPr lang="de-DE" dirty="0" err="1"/>
+              <a:t>model</a:t>
+            </a:r>
+            <a:r>
+              <a:rPr lang="de-DE" dirty="0"/>
+              <a:t>. </a:t>
+            </a:r>
+          </a:p>
+          <a:p>
+            <a:endParaRPr lang="de-DE" dirty="0"/>
+          </a:p>
+        </p:txBody>
+      </p:sp>
+    </p:spTree>
+    <p:extLst>
+      <p:ext uri="{BB962C8B-B14F-4D97-AF65-F5344CB8AC3E}">
+        <p14:creationId xmlns:p14="http://schemas.microsoft.com/office/powerpoint/2010/main" val="2521754397"/>
+      </p:ext>
+    </p:extLst>
+  </p:cSld>
+  <p:clrMapOvr>
+    <a:masterClrMapping/>
+  </p:clrMapOvr>
+</p:sld>
+</file>
+
+<file path=ppt/slides/slide24.xml><?xml version="1.0" encoding="utf-8"?>
+<p:sld xmlns:a="http://schemas.openxmlformats.org/drawingml/2006/main" xmlns:r="http://schemas.openxmlformats.org/officeDocument/2006/relationships" xmlns:p="http://schemas.openxmlformats.org/presentationml/2006/main">
+  <p:cSld>
+    <p:spTree>
+      <p:nvGrpSpPr>
+        <p:cNvPr id="1" name=""/>
+        <p:cNvGrpSpPr/>
+        <p:nvPr/>
+      </p:nvGrpSpPr>
+      <p:grpSpPr>
+        <a:xfrm>
+          <a:off x="0" y="0"/>
+          <a:ext cx="0" cy="0"/>
+          <a:chOff x="0" y="0"/>
+          <a:chExt cx="0" cy="0"/>
+        </a:xfrm>
+      </p:grpSpPr>
+      <p:sp>
+        <p:nvSpPr>
+          <p:cNvPr id="2" name="Tittel 1">
+            <a:extLst>
+              <a:ext uri="{FF2B5EF4-FFF2-40B4-BE49-F238E27FC236}">
+                <a16:creationId xmlns:a16="http://schemas.microsoft.com/office/drawing/2014/main" id="{D65169F4-761C-5413-BC6A-C313B4B5F43B}"/>
+              </a:ext>
+            </a:extLst>
+          </p:cNvPr>
+          <p:cNvSpPr>
+            <a:spLocks noGrp="1"/>
+          </p:cNvSpPr>
+          <p:nvPr>
+            <p:ph type="title"/>
+          </p:nvPr>
+        </p:nvSpPr>
+        <p:spPr/>
+        <p:txBody>
+          <a:bodyPr/>
+          <a:lstStyle/>
+          <a:p>
+            <a:r>
+              <a:rPr lang="de-DE" dirty="0" err="1"/>
+              <a:t>Todo</a:t>
+            </a:r>
+            <a:r>
+              <a:rPr lang="de-DE" dirty="0"/>
+              <a:t>	</a:t>
+            </a:r>
+          </a:p>
+        </p:txBody>
+      </p:sp>
+      <p:sp>
+        <p:nvSpPr>
+          <p:cNvPr id="3" name="Plassholder for innhold 2">
+            <a:extLst>
+              <a:ext uri="{FF2B5EF4-FFF2-40B4-BE49-F238E27FC236}">
+                <a16:creationId xmlns:a16="http://schemas.microsoft.com/office/drawing/2014/main" id="{AAA45A26-22F1-7E41-9046-49185AD83D7E}"/>
+              </a:ext>
+            </a:extLst>
+          </p:cNvPr>
+          <p:cNvSpPr>
+            <a:spLocks noGrp="1"/>
+          </p:cNvSpPr>
+          <p:nvPr>
+            <p:ph idx="1"/>
+          </p:nvPr>
+        </p:nvSpPr>
+        <p:spPr/>
+        <p:txBody>
+          <a:bodyPr/>
+          <a:lstStyle/>
+          <a:p>
+            <a:r>
+              <a:rPr lang="de-DE" dirty="0"/>
+              <a:t>Desposition Content Thesis</a:t>
+            </a:r>
+          </a:p>
+          <a:p>
+            <a:r>
+              <a:rPr lang="de-DE" dirty="0"/>
+              <a:t>Write </a:t>
+            </a:r>
+            <a:r>
+              <a:rPr lang="de-DE" dirty="0" err="1"/>
+              <a:t>some</a:t>
+            </a:r>
+            <a:r>
+              <a:rPr lang="de-DE" dirty="0"/>
+              <a:t> Theory</a:t>
+            </a:r>
+          </a:p>
+          <a:p>
+            <a:r>
+              <a:rPr lang="de-DE" dirty="0"/>
+              <a:t>Check </a:t>
+            </a:r>
+            <a:r>
+              <a:rPr lang="de-DE" dirty="0" err="1"/>
+              <a:t>gradient</a:t>
+            </a:r>
+            <a:r>
+              <a:rPr lang="de-DE" dirty="0"/>
+              <a:t> </a:t>
+            </a:r>
+            <a:r>
+              <a:rPr lang="de-DE" dirty="0" err="1"/>
+              <a:t>derivation</a:t>
+            </a:r>
+            <a:endParaRPr lang="de-DE" dirty="0"/>
+          </a:p>
+          <a:p>
+            <a:r>
+              <a:rPr lang="de-DE" dirty="0"/>
+              <a:t>Create </a:t>
+            </a:r>
+            <a:r>
+              <a:rPr lang="de-DE" dirty="0" err="1"/>
+              <a:t>correct</a:t>
+            </a:r>
+            <a:r>
+              <a:rPr lang="de-DE" dirty="0"/>
+              <a:t> </a:t>
+            </a:r>
+            <a:r>
+              <a:rPr lang="de-DE" dirty="0" err="1"/>
+              <a:t>small</a:t>
+            </a:r>
+            <a:r>
+              <a:rPr lang="de-DE" dirty="0"/>
+              <a:t> </a:t>
+            </a:r>
+            <a:r>
+              <a:rPr lang="de-DE" dirty="0" err="1"/>
+              <a:t>model</a:t>
+            </a:r>
+            <a:r>
+              <a:rPr lang="de-DE" dirty="0"/>
+              <a:t> </a:t>
+            </a:r>
+            <a:r>
+              <a:rPr lang="de-DE" dirty="0" err="1"/>
+              <a:t>for</a:t>
+            </a:r>
+            <a:r>
+              <a:rPr lang="de-DE" dirty="0"/>
+              <a:t> </a:t>
+            </a:r>
+            <a:r>
+              <a:rPr lang="de-DE" dirty="0" err="1"/>
+              <a:t>validation</a:t>
+            </a:r>
+            <a:r>
+              <a:rPr lang="de-DE" dirty="0"/>
+              <a:t> and </a:t>
+            </a:r>
+            <a:r>
+              <a:rPr lang="de-DE" dirty="0" err="1"/>
+              <a:t>testing</a:t>
+            </a:r>
+            <a:endParaRPr lang="de-DE" dirty="0"/>
+          </a:p>
+          <a:p>
+            <a:r>
+              <a:rPr lang="de-DE" dirty="0"/>
+              <a:t>Run </a:t>
+            </a:r>
+            <a:r>
+              <a:rPr lang="de-DE" dirty="0" err="1"/>
+              <a:t>tests</a:t>
+            </a:r>
+            <a:endParaRPr lang="de-DE" dirty="0"/>
+          </a:p>
+          <a:p>
+            <a:r>
+              <a:rPr lang="de-DE" dirty="0"/>
+              <a:t>Write Methods and </a:t>
+            </a:r>
+            <a:r>
+              <a:rPr lang="de-DE" dirty="0" err="1"/>
+              <a:t>Results</a:t>
+            </a:r>
+            <a:endParaRPr lang="de-DE" dirty="0"/>
+          </a:p>
+          <a:p>
+            <a:r>
+              <a:rPr lang="de-DE" dirty="0"/>
+              <a:t>(</a:t>
+            </a:r>
+            <a:r>
+              <a:rPr lang="de-DE" dirty="0" err="1"/>
+              <a:t>Finans</a:t>
+            </a:r>
+            <a:r>
+              <a:rPr lang="de-DE" dirty="0"/>
+              <a:t> </a:t>
+            </a:r>
+            <a:r>
+              <a:rPr lang="de-DE"/>
+              <a:t>and Lab)</a:t>
+            </a:r>
+            <a:endParaRPr lang="de-DE" dirty="0"/>
+          </a:p>
+        </p:txBody>
+      </p:sp>
+    </p:spTree>
+    <p:extLst>
+      <p:ext uri="{BB962C8B-B14F-4D97-AF65-F5344CB8AC3E}">
+        <p14:creationId xmlns:p14="http://schemas.microsoft.com/office/powerpoint/2010/main" val="4059520000"/>
       </p:ext>
     </p:extLst>
   </p:cSld>
